--- a/Docs/Slide.pptx
+++ b/Docs/Slide.pptx
@@ -5,7 +5,7 @@
     <p:sldMasterId id="2147483786" r:id="rId1"/>
   </p:sldMasterIdLst>
   <p:notesMasterIdLst>
-    <p:notesMasterId r:id="rId9"/>
+    <p:notesMasterId r:id="rId15"/>
   </p:notesMasterIdLst>
   <p:sldIdLst>
     <p:sldId id="256" r:id="rId2"/>
@@ -15,6 +15,12 @@
     <p:sldId id="260" r:id="rId6"/>
     <p:sldId id="261" r:id="rId7"/>
     <p:sldId id="262" r:id="rId8"/>
+    <p:sldId id="263" r:id="rId9"/>
+    <p:sldId id="264" r:id="rId10"/>
+    <p:sldId id="265" r:id="rId11"/>
+    <p:sldId id="266" r:id="rId12"/>
+    <p:sldId id="267" r:id="rId13"/>
+    <p:sldId id="268" r:id="rId14"/>
   </p:sldIdLst>
   <p:sldSz cx="12192000" cy="6858000"/>
   <p:notesSz cx="6858000" cy="9144000"/>
@@ -114,6 +120,46 @@
     </a:lvl9pPr>
   </p:defaultTextStyle>
 </p:presentation>
+</file>
+
+<file path=ppt/commentAuthors.xml><?xml version="1.0" encoding="utf-8"?>
+<p:cmAuthorLst xmlns:a="http://schemas.openxmlformats.org/drawingml/2006/main" xmlns:r="http://schemas.openxmlformats.org/officeDocument/2006/relationships" xmlns:p="http://schemas.openxmlformats.org/presentationml/2006/main">
+  <p:cmAuthor id="1" name="PL itto" initials="Pi" lastIdx="1" clrIdx="0">
+    <p:extLst>
+      <p:ext uri="{19B8F6BF-5375-455C-9EA6-DF929625EA0E}">
+        <p15:presenceInfo xmlns:p15="http://schemas.microsoft.com/office/powerpoint/2012/main" userId="98d08e6b2e878234" providerId="Windows Live"/>
+      </p:ext>
+    </p:extLst>
+  </p:cmAuthor>
+</p:cmAuthorLst>
+</file>
+
+<file path=ppt/comments/comment1.xml><?xml version="1.0" encoding="utf-8"?>
+<p:cmLst xmlns:a="http://schemas.openxmlformats.org/drawingml/2006/main" xmlns:r="http://schemas.openxmlformats.org/officeDocument/2006/relationships" xmlns:p="http://schemas.openxmlformats.org/presentationml/2006/main">
+  <p:cm authorId="1" dt="2018-08-31T05:18:42.257" idx="1">
+    <p:pos x="10" y="10"/>
+    <p:text/>
+    <p:extLst>
+      <p:ext uri="{C676402C-5697-4E1C-873F-D02D1690AC5C}">
+        <p15:threadingInfo xmlns:p15="http://schemas.microsoft.com/office/powerpoint/2012/main" timeZoneBias="-420"/>
+      </p:ext>
+    </p:extLst>
+  </p:cm>
+</p:cmLst>
+</file>
+
+<file path=ppt/comments/comment2.xml><?xml version="1.0" encoding="utf-8"?>
+<p:cmLst xmlns:a="http://schemas.openxmlformats.org/drawingml/2006/main" xmlns:r="http://schemas.openxmlformats.org/officeDocument/2006/relationships" xmlns:p="http://schemas.openxmlformats.org/presentationml/2006/main">
+  <p:cm authorId="1" dt="2018-08-31T05:18:42.257" idx="1">
+    <p:pos x="10" y="10"/>
+    <p:text/>
+    <p:extLst>
+      <p:ext uri="{C676402C-5697-4E1C-873F-D02D1690AC5C}">
+        <p15:threadingInfo xmlns:p15="http://schemas.microsoft.com/office/powerpoint/2012/main" timeZoneBias="-420"/>
+      </p:ext>
+    </p:extLst>
+  </p:cm>
+</p:cmLst>
 </file>
 
 <file path=ppt/notesMasters/notesMaster1.xml><?xml version="1.0" encoding="utf-8"?>
@@ -808,19 +854,11 @@
             </a:pPr>
             <a:r>
               <a:rPr lang="en-US" dirty="0" smtClean="0"/>
-              <a:t>In</a:t>
+              <a:t>Method</a:t>
             </a:r>
             <a:r>
               <a:rPr lang="en-US" baseline="0" dirty="0" smtClean="0"/>
-              <a:t> most case, you’ll pass only a relative URL, not a full URL (like </a:t>
-            </a:r>
-            <a:r>
-              <a:rPr lang="en-US" b="1" baseline="0" dirty="0" smtClean="0"/>
-              <a:t>https://api.github.com/users/manhterry93/repos </a:t>
-            </a:r>
-            <a:r>
-              <a:rPr lang="en-US" b="0" baseline="0" dirty="0" smtClean="0"/>
-              <a:t>)</a:t>
+              <a:t> Name: should choose a name, which helps you to understand the API request</a:t>
             </a:r>
           </a:p>
           <a:p>
@@ -830,19 +868,129 @@
             </a:pPr>
             <a:r>
               <a:rPr lang="en-US" b="0" baseline="0" dirty="0" smtClean="0"/>
-              <a:t>Retrofit only has to ask for the base URL ( </a:t>
-            </a:r>
+              <a:t>Method return Type: Can use:</a:t>
+            </a:r>
+          </a:p>
+          <a:p>
+            <a:pPr marL="628650" lvl="1" indent="-171450">
+              <a:buFont typeface="Arial" panose="020B0604020202020204" pitchFamily="34" charset="0"/>
+              <a:buChar char="•"/>
+            </a:pPr>
             <a:r>
               <a:rPr lang="en-US" b="1" baseline="0" dirty="0" smtClean="0"/>
-              <a:t>https://api.github.com ) </a:t>
+              <a:t>Call&lt;List&lt;</a:t>
+            </a:r>
+            <a:r>
+              <a:rPr lang="en-US" b="1" baseline="0" dirty="0" err="1" smtClean="0"/>
+              <a:t>GitHubRepo</a:t>
+            </a:r>
+            <a:r>
+              <a:rPr lang="en-US" b="1" baseline="0" dirty="0" smtClean="0"/>
+              <a:t>&gt;&gt;</a:t>
             </a:r>
             <a:r>
               <a:rPr lang="en-US" b="0" baseline="0" dirty="0" smtClean="0"/>
-              <a:t>once.</a:t>
-            </a:r>
-          </a:p>
-          <a:p>
-            <a:endParaRPr lang="en-US" b="1" dirty="0"/>
+              <a:t>: Retrofit will map the result to List&lt;</a:t>
+            </a:r>
+            <a:r>
+              <a:rPr lang="en-US" b="0" baseline="0" dirty="0" err="1" smtClean="0"/>
+              <a:t>GitHubRepo</a:t>
+            </a:r>
+            <a:r>
+              <a:rPr lang="en-US" b="0" baseline="0" dirty="0" smtClean="0"/>
+              <a:t>&gt; automatically</a:t>
+            </a:r>
+          </a:p>
+          <a:p>
+            <a:pPr marL="628650" lvl="1" indent="-171450">
+              <a:buFont typeface="Arial" panose="020B0604020202020204" pitchFamily="34" charset="0"/>
+              <a:buChar char="•"/>
+            </a:pPr>
+            <a:r>
+              <a:rPr lang="en-US" b="1" dirty="0" err="1" smtClean="0"/>
+              <a:t>ResponseBody</a:t>
+            </a:r>
+            <a:r>
+              <a:rPr lang="en-US" b="1" dirty="0" smtClean="0"/>
+              <a:t>: </a:t>
+            </a:r>
+            <a:r>
+              <a:rPr lang="en-US" b="0" dirty="0" smtClean="0"/>
+              <a:t>th</a:t>
+            </a:r>
+            <a:r>
+              <a:rPr lang="en-US" b="0" baseline="0" dirty="0" smtClean="0"/>
+              <a:t>e raw response</a:t>
+            </a:r>
+          </a:p>
+          <a:p>
+            <a:pPr marL="628650" lvl="1" indent="-171450">
+              <a:buFont typeface="Arial" panose="020B0604020202020204" pitchFamily="34" charset="0"/>
+              <a:buChar char="•"/>
+            </a:pPr>
+            <a:r>
+              <a:rPr lang="en-US" b="1" baseline="0" dirty="0" smtClean="0"/>
+              <a:t>Void: </a:t>
+            </a:r>
+            <a:r>
+              <a:rPr lang="en-US" b="0" baseline="0" dirty="0" smtClean="0"/>
+              <a:t>don’t care about the result</a:t>
+            </a:r>
+          </a:p>
+          <a:p>
+            <a:pPr marL="628650" lvl="1" indent="-171450">
+              <a:buFont typeface="Arial" panose="020B0604020202020204" pitchFamily="34" charset="0"/>
+              <a:buChar char="•"/>
+            </a:pPr>
+            <a:r>
+              <a:rPr lang="en-US" b="1" baseline="0" dirty="0" smtClean="0"/>
+              <a:t>Call&lt;&gt;</a:t>
+            </a:r>
+            <a:r>
+              <a:rPr lang="en-US" b="0" baseline="0" dirty="0" smtClean="0"/>
+              <a:t>: use </a:t>
+            </a:r>
+            <a:r>
+              <a:rPr lang="en-US" b="0" baseline="0" dirty="0" err="1" smtClean="0"/>
+              <a:t>toreplace</a:t>
+            </a:r>
+            <a:r>
+              <a:rPr lang="en-US" b="0" baseline="0" dirty="0" smtClean="0"/>
+              <a:t> all above types</a:t>
+            </a:r>
+            <a:endParaRPr lang="en-US" b="1" baseline="0" dirty="0" smtClean="0"/>
+          </a:p>
+          <a:p>
+            <a:pPr marL="628650" lvl="1" indent="-171450">
+              <a:buFont typeface="Arial" panose="020B0604020202020204" pitchFamily="34" charset="0"/>
+              <a:buChar char="•"/>
+            </a:pPr>
+            <a:endParaRPr lang="en-US" b="0" baseline="0" dirty="0" smtClean="0"/>
+          </a:p>
+          <a:p>
+            <a:pPr marL="171450" indent="-171450">
+              <a:buFont typeface="Arial" panose="020B0604020202020204" pitchFamily="34" charset="0"/>
+              <a:buChar char="•"/>
+            </a:pPr>
+            <a:r>
+              <a:rPr lang="en-US" b="0" baseline="0" dirty="0" smtClean="0"/>
+              <a:t>Method Parameters: @Body, @</a:t>
+            </a:r>
+            <a:r>
+              <a:rPr lang="en-US" b="0" baseline="0" dirty="0" err="1" smtClean="0"/>
+              <a:t>Url</a:t>
+            </a:r>
+            <a:r>
+              <a:rPr lang="en-US" b="0" baseline="0" dirty="0" smtClean="0"/>
+              <a:t>, @Field, ….</a:t>
+            </a:r>
+          </a:p>
+          <a:p>
+            <a:pPr marL="628650" lvl="1" indent="-171450">
+              <a:buFont typeface="Arial" panose="020B0604020202020204" pitchFamily="34" charset="0"/>
+              <a:buChar char="•"/>
+            </a:pPr>
+            <a:endParaRPr lang="en-US" b="1" baseline="0" dirty="0" smtClean="0"/>
           </a:p>
         </p:txBody>
       </p:sp>
@@ -873,6 +1021,454 @@
     <p:extLst>
       <p:ext uri="{BB962C8B-B14F-4D97-AF65-F5344CB8AC3E}">
         <p14:creationId xmlns:p14="http://schemas.microsoft.com/office/powerpoint/2010/main" val="1604218340"/>
+      </p:ext>
+    </p:extLst>
+  </p:cSld>
+  <p:clrMapOvr>
+    <a:masterClrMapping/>
+  </p:clrMapOvr>
+</p:notes>
+</file>
+
+<file path=ppt/notesSlides/notesSlide5.xml><?xml version="1.0" encoding="utf-8"?>
+<p:notes xmlns:a="http://schemas.openxmlformats.org/drawingml/2006/main" xmlns:r="http://schemas.openxmlformats.org/officeDocument/2006/relationships" xmlns:p="http://schemas.openxmlformats.org/presentationml/2006/main">
+  <p:cSld>
+    <p:spTree>
+      <p:nvGrpSpPr>
+        <p:cNvPr id="1" name=""/>
+        <p:cNvGrpSpPr/>
+        <p:nvPr/>
+      </p:nvGrpSpPr>
+      <p:grpSpPr>
+        <a:xfrm>
+          <a:off x="0" y="0"/>
+          <a:ext cx="0" cy="0"/>
+          <a:chOff x="0" y="0"/>
+          <a:chExt cx="0" cy="0"/>
+        </a:xfrm>
+      </p:grpSpPr>
+      <p:sp>
+        <p:nvSpPr>
+          <p:cNvPr id="2" name="Slide Image Placeholder 1"/>
+          <p:cNvSpPr>
+            <a:spLocks noGrp="1" noRot="1" noChangeAspect="1"/>
+          </p:cNvSpPr>
+          <p:nvPr>
+            <p:ph type="sldImg"/>
+          </p:nvPr>
+        </p:nvSpPr>
+        <p:spPr/>
+      </p:sp>
+      <p:sp>
+        <p:nvSpPr>
+          <p:cNvPr id="3" name="Notes Placeholder 2"/>
+          <p:cNvSpPr>
+            <a:spLocks noGrp="1"/>
+          </p:cNvSpPr>
+          <p:nvPr>
+            <p:ph type="body" idx="1"/>
+          </p:nvPr>
+        </p:nvSpPr>
+        <p:spPr/>
+        <p:txBody>
+          <a:bodyPr/>
+          <a:lstStyle/>
+          <a:p>
+            <a:pPr marL="171450" indent="-171450">
+              <a:buFont typeface="Arial" panose="020B0604020202020204" pitchFamily="34" charset="0"/>
+              <a:buChar char="•"/>
+            </a:pPr>
+            <a:r>
+              <a:rPr lang="en-US" dirty="0" smtClean="0"/>
+              <a:t>Method</a:t>
+            </a:r>
+            <a:r>
+              <a:rPr lang="en-US" baseline="0" dirty="0" smtClean="0"/>
+              <a:t> Name: should choose a name, which helps you to understand the API request</a:t>
+            </a:r>
+          </a:p>
+          <a:p>
+            <a:pPr marL="171450" indent="-171450">
+              <a:buFont typeface="Arial" panose="020B0604020202020204" pitchFamily="34" charset="0"/>
+              <a:buChar char="•"/>
+            </a:pPr>
+            <a:r>
+              <a:rPr lang="en-US" b="0" baseline="0" dirty="0" smtClean="0"/>
+              <a:t>Method return Type: Can use:</a:t>
+            </a:r>
+          </a:p>
+          <a:p>
+            <a:pPr marL="628650" lvl="1" indent="-171450">
+              <a:buFont typeface="Arial" panose="020B0604020202020204" pitchFamily="34" charset="0"/>
+              <a:buChar char="•"/>
+            </a:pPr>
+            <a:r>
+              <a:rPr lang="en-US" b="1" baseline="0" dirty="0" smtClean="0"/>
+              <a:t>Call&lt;List&lt;</a:t>
+            </a:r>
+            <a:r>
+              <a:rPr lang="en-US" b="1" baseline="0" dirty="0" err="1" smtClean="0"/>
+              <a:t>GitHubRepo</a:t>
+            </a:r>
+            <a:r>
+              <a:rPr lang="en-US" b="1" baseline="0" dirty="0" smtClean="0"/>
+              <a:t>&gt;&gt;</a:t>
+            </a:r>
+            <a:r>
+              <a:rPr lang="en-US" b="0" baseline="0" dirty="0" smtClean="0"/>
+              <a:t>: Retrofit will map the result to List&lt;</a:t>
+            </a:r>
+            <a:r>
+              <a:rPr lang="en-US" b="0" baseline="0" dirty="0" err="1" smtClean="0"/>
+              <a:t>GitHubRepo</a:t>
+            </a:r>
+            <a:r>
+              <a:rPr lang="en-US" b="0" baseline="0" dirty="0" smtClean="0"/>
+              <a:t>&gt; automatically</a:t>
+            </a:r>
+          </a:p>
+          <a:p>
+            <a:pPr marL="628650" lvl="1" indent="-171450">
+              <a:buFont typeface="Arial" panose="020B0604020202020204" pitchFamily="34" charset="0"/>
+              <a:buChar char="•"/>
+            </a:pPr>
+            <a:r>
+              <a:rPr lang="en-US" b="1" dirty="0" err="1" smtClean="0"/>
+              <a:t>ResponseBody</a:t>
+            </a:r>
+            <a:r>
+              <a:rPr lang="en-US" b="1" dirty="0" smtClean="0"/>
+              <a:t>: </a:t>
+            </a:r>
+            <a:r>
+              <a:rPr lang="en-US" b="0" dirty="0" smtClean="0"/>
+              <a:t>th</a:t>
+            </a:r>
+            <a:r>
+              <a:rPr lang="en-US" b="0" baseline="0" dirty="0" smtClean="0"/>
+              <a:t>e raw response</a:t>
+            </a:r>
+          </a:p>
+          <a:p>
+            <a:pPr marL="628650" lvl="1" indent="-171450">
+              <a:buFont typeface="Arial" panose="020B0604020202020204" pitchFamily="34" charset="0"/>
+              <a:buChar char="•"/>
+            </a:pPr>
+            <a:r>
+              <a:rPr lang="en-US" b="1" baseline="0" dirty="0" smtClean="0"/>
+              <a:t>Void: </a:t>
+            </a:r>
+            <a:r>
+              <a:rPr lang="en-US" b="0" baseline="0" dirty="0" smtClean="0"/>
+              <a:t>don’t care about the result</a:t>
+            </a:r>
+          </a:p>
+          <a:p>
+            <a:pPr marL="628650" lvl="1" indent="-171450">
+              <a:buFont typeface="Arial" panose="020B0604020202020204" pitchFamily="34" charset="0"/>
+              <a:buChar char="•"/>
+            </a:pPr>
+            <a:r>
+              <a:rPr lang="en-US" b="1" baseline="0" dirty="0" smtClean="0"/>
+              <a:t>Call&lt;&gt;</a:t>
+            </a:r>
+            <a:r>
+              <a:rPr lang="en-US" b="0" baseline="0" dirty="0" smtClean="0"/>
+              <a:t>: use </a:t>
+            </a:r>
+            <a:r>
+              <a:rPr lang="en-US" b="0" baseline="0" dirty="0" err="1" smtClean="0"/>
+              <a:t>toreplace</a:t>
+            </a:r>
+            <a:r>
+              <a:rPr lang="en-US" b="0" baseline="0" dirty="0" smtClean="0"/>
+              <a:t> all above types</a:t>
+            </a:r>
+            <a:endParaRPr lang="en-US" b="1" baseline="0" dirty="0" smtClean="0"/>
+          </a:p>
+          <a:p>
+            <a:pPr marL="628650" lvl="1" indent="-171450">
+              <a:buFont typeface="Arial" panose="020B0604020202020204" pitchFamily="34" charset="0"/>
+              <a:buChar char="•"/>
+            </a:pPr>
+            <a:endParaRPr lang="en-US" b="0" baseline="0" dirty="0" smtClean="0"/>
+          </a:p>
+          <a:p>
+            <a:pPr marL="171450" indent="-171450">
+              <a:buFont typeface="Arial" panose="020B0604020202020204" pitchFamily="34" charset="0"/>
+              <a:buChar char="•"/>
+            </a:pPr>
+            <a:r>
+              <a:rPr lang="en-US" b="0" baseline="0" dirty="0" smtClean="0"/>
+              <a:t>Method Parameters: @Body, @</a:t>
+            </a:r>
+            <a:r>
+              <a:rPr lang="en-US" b="0" baseline="0" dirty="0" err="1" smtClean="0"/>
+              <a:t>Url</a:t>
+            </a:r>
+            <a:r>
+              <a:rPr lang="en-US" b="0" baseline="0" smtClean="0"/>
+              <a:t>, @Field, ….</a:t>
+            </a:r>
+            <a:endParaRPr lang="en-US" b="0" baseline="0" dirty="0" smtClean="0"/>
+          </a:p>
+          <a:p>
+            <a:pPr marL="628650" lvl="1" indent="-171450">
+              <a:buFont typeface="Arial" panose="020B0604020202020204" pitchFamily="34" charset="0"/>
+              <a:buChar char="•"/>
+            </a:pPr>
+            <a:endParaRPr lang="en-US" b="1" baseline="0" dirty="0" smtClean="0"/>
+          </a:p>
+        </p:txBody>
+      </p:sp>
+      <p:sp>
+        <p:nvSpPr>
+          <p:cNvPr id="4" name="Slide Number Placeholder 3"/>
+          <p:cNvSpPr>
+            <a:spLocks noGrp="1"/>
+          </p:cNvSpPr>
+          <p:nvPr>
+            <p:ph type="sldNum" sz="quarter" idx="10"/>
+          </p:nvPr>
+        </p:nvSpPr>
+        <p:spPr/>
+        <p:txBody>
+          <a:bodyPr/>
+          <a:lstStyle/>
+          <a:p>
+            <a:fld id="{0D1EFF2F-ACFC-410F-BD3D-439F8102F8D6}" type="slidenum">
+              <a:rPr lang="en-US" smtClean="0"/>
+              <a:t>8</a:t>
+            </a:fld>
+            <a:endParaRPr lang="en-US"/>
+          </a:p>
+        </p:txBody>
+      </p:sp>
+    </p:spTree>
+    <p:extLst>
+      <p:ext uri="{BB962C8B-B14F-4D97-AF65-F5344CB8AC3E}">
+        <p14:creationId xmlns:p14="http://schemas.microsoft.com/office/powerpoint/2010/main" val="927429424"/>
+      </p:ext>
+    </p:extLst>
+  </p:cSld>
+  <p:clrMapOvr>
+    <a:masterClrMapping/>
+  </p:clrMapOvr>
+</p:notes>
+</file>
+
+<file path=ppt/notesSlides/notesSlide6.xml><?xml version="1.0" encoding="utf-8"?>
+<p:notes xmlns:a="http://schemas.openxmlformats.org/drawingml/2006/main" xmlns:r="http://schemas.openxmlformats.org/officeDocument/2006/relationships" xmlns:p="http://schemas.openxmlformats.org/presentationml/2006/main">
+  <p:cSld>
+    <p:spTree>
+      <p:nvGrpSpPr>
+        <p:cNvPr id="1" name=""/>
+        <p:cNvGrpSpPr/>
+        <p:nvPr/>
+      </p:nvGrpSpPr>
+      <p:grpSpPr>
+        <a:xfrm>
+          <a:off x="0" y="0"/>
+          <a:ext cx="0" cy="0"/>
+          <a:chOff x="0" y="0"/>
+          <a:chExt cx="0" cy="0"/>
+        </a:xfrm>
+      </p:grpSpPr>
+      <p:sp>
+        <p:nvSpPr>
+          <p:cNvPr id="2" name="Slide Image Placeholder 1"/>
+          <p:cNvSpPr>
+            <a:spLocks noGrp="1" noRot="1" noChangeAspect="1"/>
+          </p:cNvSpPr>
+          <p:nvPr>
+            <p:ph type="sldImg"/>
+          </p:nvPr>
+        </p:nvSpPr>
+        <p:spPr/>
+      </p:sp>
+      <p:sp>
+        <p:nvSpPr>
+          <p:cNvPr id="3" name="Notes Placeholder 2"/>
+          <p:cNvSpPr>
+            <a:spLocks noGrp="1"/>
+          </p:cNvSpPr>
+          <p:nvPr>
+            <p:ph type="body" idx="1"/>
+          </p:nvPr>
+        </p:nvSpPr>
+        <p:spPr/>
+        <p:txBody>
+          <a:bodyPr/>
+          <a:lstStyle/>
+          <a:p>
+            <a:pPr marL="171450" indent="-171450">
+              <a:buFont typeface="Arial" panose="020B0604020202020204" pitchFamily="34" charset="0"/>
+              <a:buChar char="•"/>
+            </a:pPr>
+            <a:r>
+              <a:rPr lang="en-US" dirty="0" smtClean="0"/>
+              <a:t>@GET: this request use the HTTP GET</a:t>
+            </a:r>
+          </a:p>
+          <a:p>
+            <a:pPr marL="171450" indent="-171450">
+              <a:buFont typeface="Arial" panose="020B0604020202020204" pitchFamily="34" charset="0"/>
+              <a:buChar char="•"/>
+            </a:pPr>
+            <a:r>
+              <a:rPr lang="en-US" dirty="0" smtClean="0"/>
+              <a:t>{user}</a:t>
+            </a:r>
+            <a:r>
+              <a:rPr lang="en-US" baseline="0" dirty="0" smtClean="0"/>
+              <a:t> path will be replace with the given variable value when call </a:t>
+            </a:r>
+            <a:r>
+              <a:rPr lang="en-US" baseline="0" dirty="0" err="1" smtClean="0"/>
+              <a:t>getGitHubRepos</a:t>
+            </a:r>
+            <a:r>
+              <a:rPr lang="en-US" baseline="0" dirty="0" smtClean="0"/>
+              <a:t> method</a:t>
+            </a:r>
+          </a:p>
+          <a:p>
+            <a:pPr marL="171450" indent="-171450">
+              <a:buFont typeface="Arial" panose="020B0604020202020204" pitchFamily="34" charset="0"/>
+              <a:buChar char="•"/>
+            </a:pPr>
+            <a:endParaRPr lang="en-US" dirty="0"/>
+          </a:p>
+        </p:txBody>
+      </p:sp>
+      <p:sp>
+        <p:nvSpPr>
+          <p:cNvPr id="4" name="Slide Number Placeholder 3"/>
+          <p:cNvSpPr>
+            <a:spLocks noGrp="1"/>
+          </p:cNvSpPr>
+          <p:nvPr>
+            <p:ph type="sldNum" sz="quarter" idx="10"/>
+          </p:nvPr>
+        </p:nvSpPr>
+        <p:spPr/>
+        <p:txBody>
+          <a:bodyPr/>
+          <a:lstStyle/>
+          <a:p>
+            <a:fld id="{0D1EFF2F-ACFC-410F-BD3D-439F8102F8D6}" type="slidenum">
+              <a:rPr lang="en-US" smtClean="0"/>
+              <a:t>9</a:t>
+            </a:fld>
+            <a:endParaRPr lang="en-US"/>
+          </a:p>
+        </p:txBody>
+      </p:sp>
+    </p:spTree>
+    <p:extLst>
+      <p:ext uri="{BB962C8B-B14F-4D97-AF65-F5344CB8AC3E}">
+        <p14:creationId xmlns:p14="http://schemas.microsoft.com/office/powerpoint/2010/main" val="2830715417"/>
+      </p:ext>
+    </p:extLst>
+  </p:cSld>
+  <p:clrMapOvr>
+    <a:masterClrMapping/>
+  </p:clrMapOvr>
+</p:notes>
+</file>
+
+<file path=ppt/notesSlides/notesSlide7.xml><?xml version="1.0" encoding="utf-8"?>
+<p:notes xmlns:a="http://schemas.openxmlformats.org/drawingml/2006/main" xmlns:r="http://schemas.openxmlformats.org/officeDocument/2006/relationships" xmlns:p="http://schemas.openxmlformats.org/presentationml/2006/main">
+  <p:cSld>
+    <p:spTree>
+      <p:nvGrpSpPr>
+        <p:cNvPr id="1" name=""/>
+        <p:cNvGrpSpPr/>
+        <p:nvPr/>
+      </p:nvGrpSpPr>
+      <p:grpSpPr>
+        <a:xfrm>
+          <a:off x="0" y="0"/>
+          <a:ext cx="0" cy="0"/>
+          <a:chOff x="0" y="0"/>
+          <a:chExt cx="0" cy="0"/>
+        </a:xfrm>
+      </p:grpSpPr>
+      <p:sp>
+        <p:nvSpPr>
+          <p:cNvPr id="2" name="Slide Image Placeholder 1"/>
+          <p:cNvSpPr>
+            <a:spLocks noGrp="1" noRot="1" noChangeAspect="1"/>
+          </p:cNvSpPr>
+          <p:nvPr>
+            <p:ph type="sldImg"/>
+          </p:nvPr>
+        </p:nvSpPr>
+        <p:spPr/>
+      </p:sp>
+      <p:sp>
+        <p:nvSpPr>
+          <p:cNvPr id="3" name="Notes Placeholder 2"/>
+          <p:cNvSpPr>
+            <a:spLocks noGrp="1"/>
+          </p:cNvSpPr>
+          <p:nvPr>
+            <p:ph type="body" idx="1"/>
+          </p:nvPr>
+        </p:nvSpPr>
+        <p:spPr/>
+        <p:txBody>
+          <a:bodyPr/>
+          <a:lstStyle/>
+          <a:p>
+            <a:r>
+              <a:rPr lang="en-US" dirty="0" smtClean="0"/>
+              <a:t>After describing the API interface and the object model, it’s time to prepare an actual request. </a:t>
+            </a:r>
+          </a:p>
+          <a:p>
+            <a:r>
+              <a:rPr lang="en-US" dirty="0" smtClean="0"/>
+              <a:t>Retrofit’s basis for all requests is the </a:t>
+            </a:r>
+            <a:r>
+              <a:rPr lang="en-US" dirty="0" err="1" smtClean="0"/>
+              <a:t>RestAdapter</a:t>
+            </a:r>
+            <a:r>
+              <a:rPr lang="en-US" dirty="0" smtClean="0"/>
+              <a:t> (v1.9) or Retrofit (2.0+) class. In both versions you create and configure them with a fluent API. </a:t>
+            </a:r>
+          </a:p>
+        </p:txBody>
+      </p:sp>
+      <p:sp>
+        <p:nvSpPr>
+          <p:cNvPr id="4" name="Slide Number Placeholder 3"/>
+          <p:cNvSpPr>
+            <a:spLocks noGrp="1"/>
+          </p:cNvSpPr>
+          <p:nvPr>
+            <p:ph type="sldNum" sz="quarter" idx="10"/>
+          </p:nvPr>
+        </p:nvSpPr>
+        <p:spPr/>
+        <p:txBody>
+          <a:bodyPr/>
+          <a:lstStyle/>
+          <a:p>
+            <a:fld id="{0D1EFF2F-ACFC-410F-BD3D-439F8102F8D6}" type="slidenum">
+              <a:rPr lang="en-US" smtClean="0"/>
+              <a:t>11</a:t>
+            </a:fld>
+            <a:endParaRPr lang="en-US"/>
+          </a:p>
+        </p:txBody>
+      </p:sp>
+    </p:spTree>
+    <p:extLst>
+      <p:ext uri="{BB962C8B-B14F-4D97-AF65-F5344CB8AC3E}">
+        <p14:creationId xmlns:p14="http://schemas.microsoft.com/office/powerpoint/2010/main" val="3414453864"/>
       </p:ext>
     </p:extLst>
   </p:cSld>
@@ -4286,6 +4882,1067 @@
 </p:sld>
 </file>
 
+<file path=ppt/slides/slide10.xml><?xml version="1.0" encoding="utf-8"?>
+<p:sld xmlns:a="http://schemas.openxmlformats.org/drawingml/2006/main" xmlns:r="http://schemas.openxmlformats.org/officeDocument/2006/relationships" xmlns:p="http://schemas.openxmlformats.org/presentationml/2006/main">
+  <p:cSld>
+    <p:spTree>
+      <p:nvGrpSpPr>
+        <p:cNvPr id="1" name=""/>
+        <p:cNvGrpSpPr/>
+        <p:nvPr/>
+      </p:nvGrpSpPr>
+      <p:grpSpPr>
+        <a:xfrm>
+          <a:off x="0" y="0"/>
+          <a:ext cx="0" cy="0"/>
+          <a:chOff x="0" y="0"/>
+          <a:chExt cx="0" cy="0"/>
+        </a:xfrm>
+      </p:grpSpPr>
+      <p:sp>
+        <p:nvSpPr>
+          <p:cNvPr id="2" name="Title 1"/>
+          <p:cNvSpPr>
+            <a:spLocks noGrp="1"/>
+          </p:cNvSpPr>
+          <p:nvPr>
+            <p:ph type="title"/>
+          </p:nvPr>
+        </p:nvSpPr>
+        <p:spPr/>
+        <p:txBody>
+          <a:bodyPr/>
+          <a:lstStyle/>
+          <a:p>
+            <a:r>
+              <a:rPr lang="en-US" dirty="0" smtClean="0"/>
+              <a:t>JSON Mapping	</a:t>
+            </a:r>
+            <a:endParaRPr lang="en-US" dirty="0"/>
+          </a:p>
+        </p:txBody>
+      </p:sp>
+      <p:sp>
+        <p:nvSpPr>
+          <p:cNvPr id="3" name="Content Placeholder 2"/>
+          <p:cNvSpPr>
+            <a:spLocks noGrp="1"/>
+          </p:cNvSpPr>
+          <p:nvPr>
+            <p:ph idx="1"/>
+          </p:nvPr>
+        </p:nvSpPr>
+        <p:spPr/>
+        <p:txBody>
+          <a:bodyPr>
+            <a:noAutofit/>
+          </a:bodyPr>
+          <a:lstStyle/>
+          <a:p>
+            <a:r>
+              <a:rPr lang="en-US" dirty="0" smtClean="0">
+                <a:latin typeface="Century Schoolbook (Body)"/>
+                <a:cs typeface="Courier New" panose="02070309020205020404" pitchFamily="49" charset="0"/>
+              </a:rPr>
+              <a:t>Add a converter explicitly to the Retrofit object to convert the result from API.</a:t>
+            </a:r>
+          </a:p>
+          <a:p>
+            <a:r>
+              <a:rPr lang="en-US" dirty="0" smtClean="0">
+                <a:latin typeface="Century Schoolbook (Body)"/>
+                <a:cs typeface="Courier New" panose="02070309020205020404" pitchFamily="49" charset="0"/>
+              </a:rPr>
+              <a:t>With JSON data, Retrofit ships with Google’s </a:t>
+            </a:r>
+            <a:r>
+              <a:rPr lang="en-US" dirty="0" err="1" smtClean="0">
+                <a:latin typeface="Century Schoolbook (Body)"/>
+                <a:cs typeface="Courier New" panose="02070309020205020404" pitchFamily="49" charset="0"/>
+              </a:rPr>
+              <a:t>Gson</a:t>
+            </a:r>
+            <a:r>
+              <a:rPr lang="en-US" dirty="0" smtClean="0">
+                <a:latin typeface="Century Schoolbook (Body)"/>
+                <a:cs typeface="Courier New" panose="02070309020205020404" pitchFamily="49" charset="0"/>
+              </a:rPr>
+              <a:t>.</a:t>
+            </a:r>
+          </a:p>
+          <a:p>
+            <a:r>
+              <a:rPr lang="en-US" sz="1400" u="sng" dirty="0" err="1"/>
+              <a:t>build.gradle</a:t>
+            </a:r>
+            <a:r>
+              <a:rPr lang="en-US" sz="1400" u="sng" dirty="0"/>
+              <a:t>:</a:t>
+            </a:r>
+          </a:p>
+          <a:p>
+            <a:pPr marL="0" indent="0">
+              <a:buNone/>
+            </a:pPr>
+            <a:r>
+              <a:rPr lang="en-US" sz="1400" dirty="0">
+                <a:latin typeface="Courier New" panose="02070309020205020404" pitchFamily="49" charset="0"/>
+                <a:cs typeface="Courier New" panose="02070309020205020404" pitchFamily="49" charset="0"/>
+              </a:rPr>
+              <a:t>	</a:t>
+            </a:r>
+            <a:r>
+              <a:rPr lang="en-US" sz="1400" b="1" dirty="0">
+                <a:solidFill>
+                  <a:srgbClr val="0070C0"/>
+                </a:solidFill>
+                <a:latin typeface="Courier New" panose="02070309020205020404" pitchFamily="49" charset="0"/>
+                <a:cs typeface="Courier New" panose="02070309020205020404" pitchFamily="49" charset="0"/>
+              </a:rPr>
+              <a:t>dependencies{</a:t>
+            </a:r>
+          </a:p>
+          <a:p>
+            <a:pPr marL="0" indent="0">
+              <a:buNone/>
+            </a:pPr>
+            <a:r>
+              <a:rPr lang="en-US" sz="1400" b="1" dirty="0" smtClean="0">
+                <a:solidFill>
+                  <a:srgbClr val="0070C0"/>
+                </a:solidFill>
+                <a:latin typeface="Courier New" panose="02070309020205020404" pitchFamily="49" charset="0"/>
+                <a:cs typeface="Courier New" panose="02070309020205020404" pitchFamily="49" charset="0"/>
+              </a:rPr>
+              <a:t>		compile </a:t>
+            </a:r>
+            <a:r>
+              <a:rPr lang="en-US" sz="1400" b="1" dirty="0">
+                <a:solidFill>
+                  <a:srgbClr val="0070C0"/>
+                </a:solidFill>
+                <a:latin typeface="Courier New" panose="02070309020205020404" pitchFamily="49" charset="0"/>
+                <a:cs typeface="Courier New" panose="02070309020205020404" pitchFamily="49" charset="0"/>
+              </a:rPr>
+              <a:t>'com.squareup.retrofit2:converter-gson:2.3.0'</a:t>
+            </a:r>
+          </a:p>
+          <a:p>
+            <a:pPr marL="0" indent="0">
+              <a:buNone/>
+            </a:pPr>
+            <a:r>
+              <a:rPr lang="en-US" sz="1400" b="1" dirty="0">
+                <a:solidFill>
+                  <a:srgbClr val="0070C0"/>
+                </a:solidFill>
+                <a:latin typeface="Courier New" panose="02070309020205020404" pitchFamily="49" charset="0"/>
+                <a:cs typeface="Courier New" panose="02070309020205020404" pitchFamily="49" charset="0"/>
+              </a:rPr>
+              <a:t>	}</a:t>
+            </a:r>
+          </a:p>
+          <a:p>
+            <a:endParaRPr lang="en-US" sz="1400" dirty="0" smtClean="0">
+              <a:latin typeface="Courier New" panose="02070309020205020404" pitchFamily="49" charset="0"/>
+              <a:cs typeface="Courier New" panose="02070309020205020404" pitchFamily="49" charset="0"/>
+            </a:endParaRPr>
+          </a:p>
+          <a:p>
+            <a:endParaRPr lang="en-US" sz="1400" dirty="0">
+              <a:latin typeface="Courier New" panose="02070309020205020404" pitchFamily="49" charset="0"/>
+              <a:cs typeface="Courier New" panose="02070309020205020404" pitchFamily="49" charset="0"/>
+            </a:endParaRPr>
+          </a:p>
+        </p:txBody>
+      </p:sp>
+    </p:spTree>
+    <p:extLst>
+      <p:ext uri="{BB962C8B-B14F-4D97-AF65-F5344CB8AC3E}">
+        <p14:creationId xmlns:p14="http://schemas.microsoft.com/office/powerpoint/2010/main" val="1416209743"/>
+      </p:ext>
+    </p:extLst>
+  </p:cSld>
+  <p:clrMapOvr>
+    <a:masterClrMapping/>
+  </p:clrMapOvr>
+  <p:timing>
+    <p:tnLst>
+      <p:par>
+        <p:cTn id="1" dur="indefinite" restart="never" nodeType="tmRoot"/>
+      </p:par>
+    </p:tnLst>
+  </p:timing>
+</p:sld>
+</file>
+
+<file path=ppt/slides/slide11.xml><?xml version="1.0" encoding="utf-8"?>
+<p:sld xmlns:a="http://schemas.openxmlformats.org/drawingml/2006/main" xmlns:r="http://schemas.openxmlformats.org/officeDocument/2006/relationships" xmlns:p="http://schemas.openxmlformats.org/presentationml/2006/main">
+  <p:cSld>
+    <p:spTree>
+      <p:nvGrpSpPr>
+        <p:cNvPr id="1" name=""/>
+        <p:cNvGrpSpPr/>
+        <p:nvPr/>
+      </p:nvGrpSpPr>
+      <p:grpSpPr>
+        <a:xfrm>
+          <a:off x="0" y="0"/>
+          <a:ext cx="0" cy="0"/>
+          <a:chOff x="0" y="0"/>
+          <a:chExt cx="0" cy="0"/>
+        </a:xfrm>
+      </p:grpSpPr>
+      <p:sp>
+        <p:nvSpPr>
+          <p:cNvPr id="2" name="Title 1"/>
+          <p:cNvSpPr>
+            <a:spLocks noGrp="1"/>
+          </p:cNvSpPr>
+          <p:nvPr>
+            <p:ph type="title"/>
+          </p:nvPr>
+        </p:nvSpPr>
+        <p:spPr/>
+        <p:txBody>
+          <a:bodyPr/>
+          <a:lstStyle/>
+          <a:p>
+            <a:r>
+              <a:rPr lang="en-US" dirty="0" smtClean="0"/>
+              <a:t>Retrofit REST Client		</a:t>
+            </a:r>
+            <a:endParaRPr lang="en-US" dirty="0"/>
+          </a:p>
+        </p:txBody>
+      </p:sp>
+      <p:sp>
+        <p:nvSpPr>
+          <p:cNvPr id="3" name="Content Placeholder 2"/>
+          <p:cNvSpPr>
+            <a:spLocks noGrp="1"/>
+          </p:cNvSpPr>
+          <p:nvPr>
+            <p:ph idx="1"/>
+          </p:nvPr>
+        </p:nvSpPr>
+        <p:spPr/>
+        <p:txBody>
+          <a:bodyPr/>
+          <a:lstStyle/>
+          <a:p>
+            <a:r>
+              <a:rPr lang="en-US" dirty="0" smtClean="0"/>
+              <a:t>Retrofit’s basis for all request is Retrofit class.</a:t>
+            </a:r>
+          </a:p>
+          <a:p>
+            <a:r>
+              <a:rPr lang="en-US" dirty="0" smtClean="0"/>
+              <a:t>Create Retrofit with a fluent API use the builder to set some general option (base URL, converter)</a:t>
+            </a:r>
+          </a:p>
+          <a:p>
+            <a:endParaRPr lang="en-US" dirty="0"/>
+          </a:p>
+        </p:txBody>
+      </p:sp>
+      <p:sp>
+        <p:nvSpPr>
+          <p:cNvPr id="5" name="TextBox 4"/>
+          <p:cNvSpPr txBox="1"/>
+          <p:nvPr/>
+        </p:nvSpPr>
+        <p:spPr>
+          <a:xfrm>
+            <a:off x="1402673" y="3820160"/>
+            <a:ext cx="8454559" cy="954107"/>
+          </a:xfrm>
+          <a:prstGeom prst="rect">
+            <a:avLst/>
+          </a:prstGeom>
+        </p:spPr>
+        <p:style>
+          <a:lnRef idx="2">
+            <a:schemeClr val="accent2"/>
+          </a:lnRef>
+          <a:fillRef idx="1">
+            <a:schemeClr val="lt1"/>
+          </a:fillRef>
+          <a:effectRef idx="0">
+            <a:schemeClr val="accent2"/>
+          </a:effectRef>
+          <a:fontRef idx="minor">
+            <a:schemeClr val="dk1"/>
+          </a:fontRef>
+        </p:style>
+        <p:txBody>
+          <a:bodyPr wrap="none" rtlCol="0">
+            <a:spAutoFit/>
+          </a:bodyPr>
+          <a:lstStyle/>
+          <a:p>
+            <a:r>
+              <a:rPr lang="en-US" sz="1400" dirty="0" smtClean="0">
+                <a:solidFill>
+                  <a:srgbClr val="0070C0"/>
+                </a:solidFill>
+                <a:latin typeface="Courier New" panose="02070309020205020404" pitchFamily="49" charset="0"/>
+                <a:cs typeface="Courier New" panose="02070309020205020404" pitchFamily="49" charset="0"/>
+              </a:rPr>
+              <a:t>Retrofit </a:t>
+            </a:r>
+            <a:r>
+              <a:rPr lang="en-US" sz="1400" dirty="0" err="1" smtClean="0">
+                <a:solidFill>
+                  <a:srgbClr val="0070C0"/>
+                </a:solidFill>
+                <a:latin typeface="Courier New" panose="02070309020205020404" pitchFamily="49" charset="0"/>
+                <a:cs typeface="Courier New" panose="02070309020205020404" pitchFamily="49" charset="0"/>
+              </a:rPr>
+              <a:t>retrofit</a:t>
+            </a:r>
+            <a:r>
+              <a:rPr lang="en-US" sz="1400" dirty="0" smtClean="0">
+                <a:solidFill>
+                  <a:srgbClr val="0070C0"/>
+                </a:solidFill>
+                <a:latin typeface="Courier New" panose="02070309020205020404" pitchFamily="49" charset="0"/>
+                <a:cs typeface="Courier New" panose="02070309020205020404" pitchFamily="49" charset="0"/>
+              </a:rPr>
+              <a:t> = new </a:t>
+            </a:r>
+            <a:r>
+              <a:rPr lang="en-US" sz="1400" dirty="0" err="1" smtClean="0">
+                <a:solidFill>
+                  <a:srgbClr val="0070C0"/>
+                </a:solidFill>
+                <a:latin typeface="Courier New" panose="02070309020205020404" pitchFamily="49" charset="0"/>
+                <a:cs typeface="Courier New" panose="02070309020205020404" pitchFamily="49" charset="0"/>
+              </a:rPr>
+              <a:t>Retrofit.Builder</a:t>
+            </a:r>
+            <a:r>
+              <a:rPr lang="en-US" sz="1400" dirty="0" smtClean="0">
+                <a:solidFill>
+                  <a:srgbClr val="0070C0"/>
+                </a:solidFill>
+                <a:latin typeface="Courier New" panose="02070309020205020404" pitchFamily="49" charset="0"/>
+                <a:cs typeface="Courier New" panose="02070309020205020404" pitchFamily="49" charset="0"/>
+              </a:rPr>
+              <a:t>().</a:t>
+            </a:r>
+            <a:r>
+              <a:rPr lang="en-US" sz="1400" dirty="0" err="1" smtClean="0">
+                <a:solidFill>
+                  <a:srgbClr val="0070C0"/>
+                </a:solidFill>
+                <a:latin typeface="Courier New" panose="02070309020205020404" pitchFamily="49" charset="0"/>
+                <a:cs typeface="Courier New" panose="02070309020205020404" pitchFamily="49" charset="0"/>
+              </a:rPr>
+              <a:t>baseUrl</a:t>
+            </a:r>
+            <a:r>
+              <a:rPr lang="en-US" sz="1400" dirty="0" smtClean="0">
+                <a:solidFill>
+                  <a:srgbClr val="0070C0"/>
+                </a:solidFill>
+                <a:latin typeface="Courier New" panose="02070309020205020404" pitchFamily="49" charset="0"/>
+                <a:cs typeface="Courier New" panose="02070309020205020404" pitchFamily="49" charset="0"/>
+              </a:rPr>
+              <a:t>("https://api.github.com/")</a:t>
+            </a:r>
+          </a:p>
+          <a:p>
+            <a:r>
+              <a:rPr lang="en-US" sz="1400" dirty="0" smtClean="0">
+                <a:solidFill>
+                  <a:srgbClr val="0070C0"/>
+                </a:solidFill>
+                <a:latin typeface="Courier New" panose="02070309020205020404" pitchFamily="49" charset="0"/>
+                <a:cs typeface="Courier New" panose="02070309020205020404" pitchFamily="49" charset="0"/>
+              </a:rPr>
+              <a:t>                .</a:t>
+            </a:r>
+            <a:r>
+              <a:rPr lang="en-US" sz="1400" dirty="0" err="1" smtClean="0">
+                <a:solidFill>
+                  <a:srgbClr val="0070C0"/>
+                </a:solidFill>
+                <a:latin typeface="Courier New" panose="02070309020205020404" pitchFamily="49" charset="0"/>
+                <a:cs typeface="Courier New" panose="02070309020205020404" pitchFamily="49" charset="0"/>
+              </a:rPr>
+              <a:t>addConverterFactory</a:t>
+            </a:r>
+            <a:r>
+              <a:rPr lang="en-US" sz="1400" dirty="0" smtClean="0">
+                <a:solidFill>
+                  <a:srgbClr val="0070C0"/>
+                </a:solidFill>
+                <a:latin typeface="Courier New" panose="02070309020205020404" pitchFamily="49" charset="0"/>
+                <a:cs typeface="Courier New" panose="02070309020205020404" pitchFamily="49" charset="0"/>
+              </a:rPr>
+              <a:t>(</a:t>
+            </a:r>
+            <a:r>
+              <a:rPr lang="en-US" sz="1400" dirty="0" err="1" smtClean="0">
+                <a:solidFill>
+                  <a:srgbClr val="0070C0"/>
+                </a:solidFill>
+                <a:latin typeface="Courier New" panose="02070309020205020404" pitchFamily="49" charset="0"/>
+                <a:cs typeface="Courier New" panose="02070309020205020404" pitchFamily="49" charset="0"/>
+              </a:rPr>
+              <a:t>GsonConverterFactory.create</a:t>
+            </a:r>
+            <a:r>
+              <a:rPr lang="en-US" sz="1400" dirty="0" smtClean="0">
+                <a:solidFill>
+                  <a:srgbClr val="0070C0"/>
+                </a:solidFill>
+                <a:latin typeface="Courier New" panose="02070309020205020404" pitchFamily="49" charset="0"/>
+                <a:cs typeface="Courier New" panose="02070309020205020404" pitchFamily="49" charset="0"/>
+              </a:rPr>
+              <a:t>())</a:t>
+            </a:r>
+          </a:p>
+          <a:p>
+            <a:r>
+              <a:rPr lang="en-US" sz="1400" dirty="0" smtClean="0">
+                <a:solidFill>
+                  <a:srgbClr val="0070C0"/>
+                </a:solidFill>
+                <a:latin typeface="Courier New" panose="02070309020205020404" pitchFamily="49" charset="0"/>
+                <a:cs typeface="Courier New" panose="02070309020205020404" pitchFamily="49" charset="0"/>
+              </a:rPr>
+              <a:t>                .build();</a:t>
+            </a:r>
+          </a:p>
+          <a:p>
+            <a:r>
+              <a:rPr lang="en-US" sz="1400" dirty="0" err="1" smtClean="0">
+                <a:solidFill>
+                  <a:srgbClr val="0070C0"/>
+                </a:solidFill>
+                <a:latin typeface="Courier New" panose="02070309020205020404" pitchFamily="49" charset="0"/>
+                <a:cs typeface="Courier New" panose="02070309020205020404" pitchFamily="49" charset="0"/>
+              </a:rPr>
+              <a:t>GitHubClient</a:t>
+            </a:r>
+            <a:r>
+              <a:rPr lang="en-US" sz="1400" dirty="0" smtClean="0">
+                <a:solidFill>
+                  <a:srgbClr val="0070C0"/>
+                </a:solidFill>
+                <a:latin typeface="Courier New" panose="02070309020205020404" pitchFamily="49" charset="0"/>
+                <a:cs typeface="Courier New" panose="02070309020205020404" pitchFamily="49" charset="0"/>
+              </a:rPr>
+              <a:t> client = </a:t>
+            </a:r>
+            <a:r>
+              <a:rPr lang="en-US" sz="1400" dirty="0" err="1" smtClean="0">
+                <a:solidFill>
+                  <a:srgbClr val="0070C0"/>
+                </a:solidFill>
+                <a:latin typeface="Courier New" panose="02070309020205020404" pitchFamily="49" charset="0"/>
+                <a:cs typeface="Courier New" panose="02070309020205020404" pitchFamily="49" charset="0"/>
+              </a:rPr>
+              <a:t>retrofit.create</a:t>
+            </a:r>
+            <a:r>
+              <a:rPr lang="en-US" sz="1400" dirty="0" smtClean="0">
+                <a:solidFill>
+                  <a:srgbClr val="0070C0"/>
+                </a:solidFill>
+                <a:latin typeface="Courier New" panose="02070309020205020404" pitchFamily="49" charset="0"/>
+                <a:cs typeface="Courier New" panose="02070309020205020404" pitchFamily="49" charset="0"/>
+              </a:rPr>
+              <a:t>(</a:t>
+            </a:r>
+            <a:r>
+              <a:rPr lang="en-US" sz="1400" dirty="0" err="1" smtClean="0">
+                <a:solidFill>
+                  <a:srgbClr val="0070C0"/>
+                </a:solidFill>
+                <a:latin typeface="Courier New" panose="02070309020205020404" pitchFamily="49" charset="0"/>
+                <a:cs typeface="Courier New" panose="02070309020205020404" pitchFamily="49" charset="0"/>
+              </a:rPr>
+              <a:t>GitHubClient.class</a:t>
+            </a:r>
+            <a:r>
+              <a:rPr lang="en-US" sz="1400" dirty="0" smtClean="0">
+                <a:solidFill>
+                  <a:srgbClr val="0070C0"/>
+                </a:solidFill>
+                <a:latin typeface="Courier New" panose="02070309020205020404" pitchFamily="49" charset="0"/>
+                <a:cs typeface="Courier New" panose="02070309020205020404" pitchFamily="49" charset="0"/>
+              </a:rPr>
+              <a:t>);</a:t>
+            </a:r>
+            <a:endParaRPr lang="en-US" sz="1400" dirty="0">
+              <a:solidFill>
+                <a:srgbClr val="0070C0"/>
+              </a:solidFill>
+              <a:latin typeface="Courier New" panose="02070309020205020404" pitchFamily="49" charset="0"/>
+              <a:cs typeface="Courier New" panose="02070309020205020404" pitchFamily="49" charset="0"/>
+            </a:endParaRPr>
+          </a:p>
+        </p:txBody>
+      </p:sp>
+    </p:spTree>
+    <p:extLst>
+      <p:ext uri="{BB962C8B-B14F-4D97-AF65-F5344CB8AC3E}">
+        <p14:creationId xmlns:p14="http://schemas.microsoft.com/office/powerpoint/2010/main" val="1398119480"/>
+      </p:ext>
+    </p:extLst>
+  </p:cSld>
+  <p:clrMapOvr>
+    <a:masterClrMapping/>
+  </p:clrMapOvr>
+  <p:timing>
+    <p:tnLst>
+      <p:par>
+        <p:cTn id="1" dur="indefinite" restart="never" nodeType="tmRoot"/>
+      </p:par>
+    </p:tnLst>
+  </p:timing>
+</p:sld>
+</file>
+
+<file path=ppt/slides/slide12.xml><?xml version="1.0" encoding="utf-8"?>
+<p:sld xmlns:a="http://schemas.openxmlformats.org/drawingml/2006/main" xmlns:r="http://schemas.openxmlformats.org/officeDocument/2006/relationships" xmlns:p="http://schemas.openxmlformats.org/presentationml/2006/main">
+  <p:cSld>
+    <p:spTree>
+      <p:nvGrpSpPr>
+        <p:cNvPr id="1" name=""/>
+        <p:cNvGrpSpPr/>
+        <p:nvPr/>
+      </p:nvGrpSpPr>
+      <p:grpSpPr>
+        <a:xfrm>
+          <a:off x="0" y="0"/>
+          <a:ext cx="0" cy="0"/>
+          <a:chOff x="0" y="0"/>
+          <a:chExt cx="0" cy="0"/>
+        </a:xfrm>
+      </p:grpSpPr>
+      <p:sp>
+        <p:nvSpPr>
+          <p:cNvPr id="2" name="Title 1"/>
+          <p:cNvSpPr>
+            <a:spLocks noGrp="1"/>
+          </p:cNvSpPr>
+          <p:nvPr>
+            <p:ph type="title"/>
+          </p:nvPr>
+        </p:nvSpPr>
+        <p:spPr/>
+        <p:txBody>
+          <a:bodyPr/>
+          <a:lstStyle/>
+          <a:p>
+            <a:r>
+              <a:rPr lang="en-US" dirty="0" smtClean="0"/>
+              <a:t>Retrofit in use</a:t>
+            </a:r>
+            <a:endParaRPr lang="en-US" dirty="0"/>
+          </a:p>
+        </p:txBody>
+      </p:sp>
+      <p:sp>
+        <p:nvSpPr>
+          <p:cNvPr id="5" name="TextBox 4"/>
+          <p:cNvSpPr txBox="1"/>
+          <p:nvPr/>
+        </p:nvSpPr>
+        <p:spPr>
+          <a:xfrm>
+            <a:off x="995680" y="2377440"/>
+            <a:ext cx="9804400" cy="2677656"/>
+          </a:xfrm>
+          <a:prstGeom prst="rect">
+            <a:avLst/>
+          </a:prstGeom>
+        </p:spPr>
+        <p:style>
+          <a:lnRef idx="2">
+            <a:schemeClr val="accent2"/>
+          </a:lnRef>
+          <a:fillRef idx="1">
+            <a:schemeClr val="lt1"/>
+          </a:fillRef>
+          <a:effectRef idx="0">
+            <a:schemeClr val="accent2"/>
+          </a:effectRef>
+          <a:fontRef idx="minor">
+            <a:schemeClr val="dk1"/>
+          </a:fontRef>
+        </p:style>
+        <p:txBody>
+          <a:bodyPr wrap="square" rtlCol="0">
+            <a:spAutoFit/>
+          </a:bodyPr>
+          <a:lstStyle/>
+          <a:p>
+            <a:r>
+              <a:rPr lang="en-US" sz="1400" dirty="0" err="1" smtClean="0">
+                <a:solidFill>
+                  <a:srgbClr val="0070C0"/>
+                </a:solidFill>
+                <a:latin typeface="Courier New" panose="02070309020205020404" pitchFamily="49" charset="0"/>
+                <a:cs typeface="Courier New" panose="02070309020205020404" pitchFamily="49" charset="0"/>
+              </a:rPr>
+              <a:t>client.getGitHubRepos</a:t>
+            </a:r>
+            <a:r>
+              <a:rPr lang="en-US" sz="1400" dirty="0" smtClean="0">
+                <a:solidFill>
+                  <a:srgbClr val="0070C0"/>
+                </a:solidFill>
+                <a:latin typeface="Courier New" panose="02070309020205020404" pitchFamily="49" charset="0"/>
+                <a:cs typeface="Courier New" panose="02070309020205020404" pitchFamily="49" charset="0"/>
+              </a:rPr>
+              <a:t>("manhterry93").</a:t>
+            </a:r>
+            <a:r>
+              <a:rPr lang="en-US" sz="1400" dirty="0" err="1" smtClean="0">
+                <a:solidFill>
+                  <a:srgbClr val="0070C0"/>
+                </a:solidFill>
+                <a:latin typeface="Courier New" panose="02070309020205020404" pitchFamily="49" charset="0"/>
+                <a:cs typeface="Courier New" panose="02070309020205020404" pitchFamily="49" charset="0"/>
+              </a:rPr>
+              <a:t>enqueue</a:t>
+            </a:r>
+            <a:r>
+              <a:rPr lang="en-US" sz="1400" dirty="0" smtClean="0">
+                <a:solidFill>
+                  <a:srgbClr val="0070C0"/>
+                </a:solidFill>
+                <a:latin typeface="Courier New" panose="02070309020205020404" pitchFamily="49" charset="0"/>
+                <a:cs typeface="Courier New" panose="02070309020205020404" pitchFamily="49" charset="0"/>
+              </a:rPr>
+              <a:t>(new Callback&lt;List&lt;</a:t>
+            </a:r>
+            <a:r>
+              <a:rPr lang="en-US" sz="1400" dirty="0" err="1" smtClean="0">
+                <a:solidFill>
+                  <a:srgbClr val="0070C0"/>
+                </a:solidFill>
+                <a:latin typeface="Courier New" panose="02070309020205020404" pitchFamily="49" charset="0"/>
+                <a:cs typeface="Courier New" panose="02070309020205020404" pitchFamily="49" charset="0"/>
+              </a:rPr>
+              <a:t>GithubRepo</a:t>
+            </a:r>
+            <a:r>
+              <a:rPr lang="en-US" sz="1400" dirty="0" smtClean="0">
+                <a:solidFill>
+                  <a:srgbClr val="0070C0"/>
+                </a:solidFill>
+                <a:latin typeface="Courier New" panose="02070309020205020404" pitchFamily="49" charset="0"/>
+                <a:cs typeface="Courier New" panose="02070309020205020404" pitchFamily="49" charset="0"/>
+              </a:rPr>
+              <a:t>&gt;&gt;() {</a:t>
+            </a:r>
+          </a:p>
+          <a:p>
+            <a:r>
+              <a:rPr lang="en-US" sz="1400" dirty="0" smtClean="0">
+                <a:solidFill>
+                  <a:srgbClr val="0070C0"/>
+                </a:solidFill>
+                <a:latin typeface="Courier New" panose="02070309020205020404" pitchFamily="49" charset="0"/>
+                <a:cs typeface="Courier New" panose="02070309020205020404" pitchFamily="49" charset="0"/>
+              </a:rPr>
+              <a:t>            @Override</a:t>
+            </a:r>
+          </a:p>
+          <a:p>
+            <a:r>
+              <a:rPr lang="en-US" sz="1400" dirty="0" smtClean="0">
+                <a:solidFill>
+                  <a:srgbClr val="0070C0"/>
+                </a:solidFill>
+                <a:latin typeface="Courier New" panose="02070309020205020404" pitchFamily="49" charset="0"/>
+                <a:cs typeface="Courier New" panose="02070309020205020404" pitchFamily="49" charset="0"/>
+              </a:rPr>
+              <a:t>            public void </a:t>
+            </a:r>
+            <a:r>
+              <a:rPr lang="en-US" sz="1400" dirty="0" err="1" smtClean="0">
+                <a:solidFill>
+                  <a:srgbClr val="0070C0"/>
+                </a:solidFill>
+                <a:latin typeface="Courier New" panose="02070309020205020404" pitchFamily="49" charset="0"/>
+                <a:cs typeface="Courier New" panose="02070309020205020404" pitchFamily="49" charset="0"/>
+              </a:rPr>
+              <a:t>onResponse</a:t>
+            </a:r>
+            <a:r>
+              <a:rPr lang="en-US" sz="1400" dirty="0" smtClean="0">
+                <a:solidFill>
+                  <a:srgbClr val="0070C0"/>
+                </a:solidFill>
+                <a:latin typeface="Courier New" panose="02070309020205020404" pitchFamily="49" charset="0"/>
+                <a:cs typeface="Courier New" panose="02070309020205020404" pitchFamily="49" charset="0"/>
+              </a:rPr>
+              <a:t>(Call&lt;List&lt;</a:t>
+            </a:r>
+            <a:r>
+              <a:rPr lang="en-US" sz="1400" dirty="0" err="1" smtClean="0">
+                <a:solidFill>
+                  <a:srgbClr val="0070C0"/>
+                </a:solidFill>
+                <a:latin typeface="Courier New" panose="02070309020205020404" pitchFamily="49" charset="0"/>
+                <a:cs typeface="Courier New" panose="02070309020205020404" pitchFamily="49" charset="0"/>
+              </a:rPr>
+              <a:t>GithubRepo</a:t>
+            </a:r>
+            <a:r>
+              <a:rPr lang="en-US" sz="1400" dirty="0" smtClean="0">
+                <a:solidFill>
+                  <a:srgbClr val="0070C0"/>
+                </a:solidFill>
+                <a:latin typeface="Courier New" panose="02070309020205020404" pitchFamily="49" charset="0"/>
+                <a:cs typeface="Courier New" panose="02070309020205020404" pitchFamily="49" charset="0"/>
+              </a:rPr>
+              <a:t>&gt;&gt; call, Response&lt;List&lt;</a:t>
+            </a:r>
+            <a:r>
+              <a:rPr lang="en-US" sz="1400" dirty="0" err="1" smtClean="0">
+                <a:solidFill>
+                  <a:srgbClr val="0070C0"/>
+                </a:solidFill>
+                <a:latin typeface="Courier New" panose="02070309020205020404" pitchFamily="49" charset="0"/>
+                <a:cs typeface="Courier New" panose="02070309020205020404" pitchFamily="49" charset="0"/>
+              </a:rPr>
+              <a:t>GithubRepo</a:t>
+            </a:r>
+            <a:r>
+              <a:rPr lang="en-US" sz="1400" dirty="0" smtClean="0">
+                <a:solidFill>
+                  <a:srgbClr val="0070C0"/>
+                </a:solidFill>
+                <a:latin typeface="Courier New" panose="02070309020205020404" pitchFamily="49" charset="0"/>
+                <a:cs typeface="Courier New" panose="02070309020205020404" pitchFamily="49" charset="0"/>
+              </a:rPr>
+              <a:t>&gt;&gt; 		response) {</a:t>
+            </a:r>
+          </a:p>
+          <a:p>
+            <a:r>
+              <a:rPr lang="en-US" sz="1400" dirty="0" smtClean="0">
+                <a:solidFill>
+                  <a:srgbClr val="0070C0"/>
+                </a:solidFill>
+                <a:latin typeface="Courier New" panose="02070309020205020404" pitchFamily="49" charset="0"/>
+                <a:cs typeface="Courier New" panose="02070309020205020404" pitchFamily="49" charset="0"/>
+              </a:rPr>
+              <a:t>                // Add the List&lt;</a:t>
+            </a:r>
+            <a:r>
+              <a:rPr lang="en-US" sz="1400" dirty="0" err="1" smtClean="0">
+                <a:solidFill>
+                  <a:srgbClr val="0070C0"/>
+                </a:solidFill>
+                <a:latin typeface="Courier New" panose="02070309020205020404" pitchFamily="49" charset="0"/>
+                <a:cs typeface="Courier New" panose="02070309020205020404" pitchFamily="49" charset="0"/>
+              </a:rPr>
+              <a:t>GitHubRepo</a:t>
+            </a:r>
+            <a:r>
+              <a:rPr lang="en-US" sz="1400" dirty="0" smtClean="0">
+                <a:solidFill>
+                  <a:srgbClr val="0070C0"/>
+                </a:solidFill>
+                <a:latin typeface="Courier New" panose="02070309020205020404" pitchFamily="49" charset="0"/>
+                <a:cs typeface="Courier New" panose="02070309020205020404" pitchFamily="49" charset="0"/>
+              </a:rPr>
+              <a:t>&gt; to </a:t>
+            </a:r>
+            <a:r>
+              <a:rPr lang="en-US" sz="1400" dirty="0" err="1" smtClean="0">
+                <a:solidFill>
+                  <a:srgbClr val="0070C0"/>
+                </a:solidFill>
+                <a:latin typeface="Courier New" panose="02070309020205020404" pitchFamily="49" charset="0"/>
+                <a:cs typeface="Courier New" panose="02070309020205020404" pitchFamily="49" charset="0"/>
+              </a:rPr>
+              <a:t>recyclerView</a:t>
+            </a:r>
+            <a:r>
+              <a:rPr lang="en-US" sz="1400" dirty="0" smtClean="0">
+                <a:solidFill>
+                  <a:srgbClr val="0070C0"/>
+                </a:solidFill>
+                <a:latin typeface="Courier New" panose="02070309020205020404" pitchFamily="49" charset="0"/>
+                <a:cs typeface="Courier New" panose="02070309020205020404" pitchFamily="49" charset="0"/>
+              </a:rPr>
+              <a:t> </a:t>
+            </a:r>
+          </a:p>
+          <a:p>
+            <a:r>
+              <a:rPr lang="en-US" sz="1400" dirty="0" smtClean="0">
+                <a:solidFill>
+                  <a:srgbClr val="0070C0"/>
+                </a:solidFill>
+                <a:latin typeface="Courier New" panose="02070309020205020404" pitchFamily="49" charset="0"/>
+                <a:cs typeface="Courier New" panose="02070309020205020404" pitchFamily="49" charset="0"/>
+              </a:rPr>
+              <a:t>            }</a:t>
+            </a:r>
+          </a:p>
+          <a:p>
+            <a:endParaRPr lang="en-US" sz="1400" dirty="0" smtClean="0">
+              <a:solidFill>
+                <a:srgbClr val="0070C0"/>
+              </a:solidFill>
+              <a:latin typeface="Courier New" panose="02070309020205020404" pitchFamily="49" charset="0"/>
+              <a:cs typeface="Courier New" panose="02070309020205020404" pitchFamily="49" charset="0"/>
+            </a:endParaRPr>
+          </a:p>
+          <a:p>
+            <a:r>
+              <a:rPr lang="en-US" sz="1400" dirty="0" smtClean="0">
+                <a:solidFill>
+                  <a:srgbClr val="0070C0"/>
+                </a:solidFill>
+                <a:latin typeface="Courier New" panose="02070309020205020404" pitchFamily="49" charset="0"/>
+                <a:cs typeface="Courier New" panose="02070309020205020404" pitchFamily="49" charset="0"/>
+              </a:rPr>
+              <a:t>            @Override</a:t>
+            </a:r>
+          </a:p>
+          <a:p>
+            <a:r>
+              <a:rPr lang="en-US" sz="1400" dirty="0" smtClean="0">
+                <a:solidFill>
+                  <a:srgbClr val="0070C0"/>
+                </a:solidFill>
+                <a:latin typeface="Courier New" panose="02070309020205020404" pitchFamily="49" charset="0"/>
+                <a:cs typeface="Courier New" panose="02070309020205020404" pitchFamily="49" charset="0"/>
+              </a:rPr>
+              <a:t>            public void </a:t>
+            </a:r>
+            <a:r>
+              <a:rPr lang="en-US" sz="1400" dirty="0" err="1" smtClean="0">
+                <a:solidFill>
+                  <a:srgbClr val="0070C0"/>
+                </a:solidFill>
+                <a:latin typeface="Courier New" panose="02070309020205020404" pitchFamily="49" charset="0"/>
+                <a:cs typeface="Courier New" panose="02070309020205020404" pitchFamily="49" charset="0"/>
+              </a:rPr>
+              <a:t>onFailure</a:t>
+            </a:r>
+            <a:r>
+              <a:rPr lang="en-US" sz="1400" dirty="0" smtClean="0">
+                <a:solidFill>
+                  <a:srgbClr val="0070C0"/>
+                </a:solidFill>
+                <a:latin typeface="Courier New" panose="02070309020205020404" pitchFamily="49" charset="0"/>
+                <a:cs typeface="Courier New" panose="02070309020205020404" pitchFamily="49" charset="0"/>
+              </a:rPr>
+              <a:t>(Call&lt;List&lt;</a:t>
+            </a:r>
+            <a:r>
+              <a:rPr lang="en-US" sz="1400" dirty="0" err="1" smtClean="0">
+                <a:solidFill>
+                  <a:srgbClr val="0070C0"/>
+                </a:solidFill>
+                <a:latin typeface="Courier New" panose="02070309020205020404" pitchFamily="49" charset="0"/>
+                <a:cs typeface="Courier New" panose="02070309020205020404" pitchFamily="49" charset="0"/>
+              </a:rPr>
+              <a:t>GithubRepo</a:t>
+            </a:r>
+            <a:r>
+              <a:rPr lang="en-US" sz="1400" dirty="0" smtClean="0">
+                <a:solidFill>
+                  <a:srgbClr val="0070C0"/>
+                </a:solidFill>
+                <a:latin typeface="Courier New" panose="02070309020205020404" pitchFamily="49" charset="0"/>
+                <a:cs typeface="Courier New" panose="02070309020205020404" pitchFamily="49" charset="0"/>
+              </a:rPr>
+              <a:t>&gt;&gt; call, </a:t>
+            </a:r>
+            <a:r>
+              <a:rPr lang="en-US" sz="1400" dirty="0" err="1" smtClean="0">
+                <a:solidFill>
+                  <a:srgbClr val="0070C0"/>
+                </a:solidFill>
+                <a:latin typeface="Courier New" panose="02070309020205020404" pitchFamily="49" charset="0"/>
+                <a:cs typeface="Courier New" panose="02070309020205020404" pitchFamily="49" charset="0"/>
+              </a:rPr>
+              <a:t>Throwable</a:t>
+            </a:r>
+            <a:r>
+              <a:rPr lang="en-US" sz="1400" dirty="0" smtClean="0">
+                <a:solidFill>
+                  <a:srgbClr val="0070C0"/>
+                </a:solidFill>
+                <a:latin typeface="Courier New" panose="02070309020205020404" pitchFamily="49" charset="0"/>
+                <a:cs typeface="Courier New" panose="02070309020205020404" pitchFamily="49" charset="0"/>
+              </a:rPr>
+              <a:t> t) {</a:t>
+            </a:r>
+          </a:p>
+          <a:p>
+            <a:endParaRPr lang="en-US" sz="1400" dirty="0" smtClean="0">
+              <a:solidFill>
+                <a:srgbClr val="0070C0"/>
+              </a:solidFill>
+              <a:latin typeface="Courier New" panose="02070309020205020404" pitchFamily="49" charset="0"/>
+              <a:cs typeface="Courier New" panose="02070309020205020404" pitchFamily="49" charset="0"/>
+            </a:endParaRPr>
+          </a:p>
+          <a:p>
+            <a:r>
+              <a:rPr lang="en-US" sz="1400" dirty="0" smtClean="0">
+                <a:solidFill>
+                  <a:srgbClr val="0070C0"/>
+                </a:solidFill>
+                <a:latin typeface="Courier New" panose="02070309020205020404" pitchFamily="49" charset="0"/>
+                <a:cs typeface="Courier New" panose="02070309020205020404" pitchFamily="49" charset="0"/>
+              </a:rPr>
+              <a:t>            }</a:t>
+            </a:r>
+          </a:p>
+          <a:p>
+            <a:r>
+              <a:rPr lang="en-US" sz="1400" dirty="0" smtClean="0">
+                <a:solidFill>
+                  <a:srgbClr val="0070C0"/>
+                </a:solidFill>
+                <a:latin typeface="Courier New" panose="02070309020205020404" pitchFamily="49" charset="0"/>
+                <a:cs typeface="Courier New" panose="02070309020205020404" pitchFamily="49" charset="0"/>
+              </a:rPr>
+              <a:t>});</a:t>
+            </a:r>
+            <a:endParaRPr lang="en-US" sz="1400" dirty="0">
+              <a:solidFill>
+                <a:srgbClr val="0070C0"/>
+              </a:solidFill>
+              <a:latin typeface="Courier New" panose="02070309020205020404" pitchFamily="49" charset="0"/>
+              <a:cs typeface="Courier New" panose="02070309020205020404" pitchFamily="49" charset="0"/>
+            </a:endParaRPr>
+          </a:p>
+        </p:txBody>
+      </p:sp>
+    </p:spTree>
+    <p:extLst>
+      <p:ext uri="{BB962C8B-B14F-4D97-AF65-F5344CB8AC3E}">
+        <p14:creationId xmlns:p14="http://schemas.microsoft.com/office/powerpoint/2010/main" val="4106947786"/>
+      </p:ext>
+    </p:extLst>
+  </p:cSld>
+  <p:clrMapOvr>
+    <a:masterClrMapping/>
+  </p:clrMapOvr>
+  <p:timing>
+    <p:tnLst>
+      <p:par>
+        <p:cTn id="1" dur="indefinite" restart="never" nodeType="tmRoot"/>
+      </p:par>
+    </p:tnLst>
+  </p:timing>
+</p:sld>
+</file>
+
+<file path=ppt/slides/slide13.xml><?xml version="1.0" encoding="utf-8"?>
+<p:sld xmlns:a="http://schemas.openxmlformats.org/drawingml/2006/main" xmlns:r="http://schemas.openxmlformats.org/officeDocument/2006/relationships" xmlns:p="http://schemas.openxmlformats.org/presentationml/2006/main">
+  <p:cSld>
+    <p:spTree>
+      <p:nvGrpSpPr>
+        <p:cNvPr id="1" name=""/>
+        <p:cNvGrpSpPr/>
+        <p:nvPr/>
+      </p:nvGrpSpPr>
+      <p:grpSpPr>
+        <a:xfrm>
+          <a:off x="0" y="0"/>
+          <a:ext cx="0" cy="0"/>
+          <a:chOff x="0" y="0"/>
+          <a:chExt cx="0" cy="0"/>
+        </a:xfrm>
+      </p:grpSpPr>
+      <p:sp>
+        <p:nvSpPr>
+          <p:cNvPr id="4" name="Rectangle 3"/>
+          <p:cNvSpPr/>
+          <p:nvPr/>
+        </p:nvSpPr>
+        <p:spPr>
+          <a:xfrm>
+            <a:off x="4517478" y="2886055"/>
+            <a:ext cx="2608407" cy="923330"/>
+          </a:xfrm>
+          <a:prstGeom prst="rect">
+            <a:avLst/>
+          </a:prstGeom>
+          <a:noFill/>
+        </p:spPr>
+        <p:txBody>
+          <a:bodyPr wrap="none" lIns="91440" tIns="45720" rIns="91440" bIns="45720">
+            <a:spAutoFit/>
+          </a:bodyPr>
+          <a:lstStyle/>
+          <a:p>
+            <a:pPr algn="ctr"/>
+            <a:r>
+              <a:rPr lang="en-US" sz="5400" b="0" cap="none" spc="0" dirty="0" smtClean="0">
+                <a:ln w="0"/>
+                <a:gradFill>
+                  <a:gsLst>
+                    <a:gs pos="21000">
+                      <a:srgbClr val="53575C"/>
+                    </a:gs>
+                    <a:gs pos="88000">
+                      <a:srgbClr val="C5C7CA"/>
+                    </a:gs>
+                  </a:gsLst>
+                  <a:lin ang="5400000"/>
+                </a:gradFill>
+                <a:effectLst/>
+              </a:rPr>
+              <a:t>Thanks</a:t>
+            </a:r>
+            <a:endParaRPr lang="en-US" sz="5400" b="0" cap="none" spc="0" dirty="0">
+              <a:ln w="0"/>
+              <a:gradFill>
+                <a:gsLst>
+                  <a:gs pos="21000">
+                    <a:srgbClr val="53575C"/>
+                  </a:gs>
+                  <a:gs pos="88000">
+                    <a:srgbClr val="C5C7CA"/>
+                  </a:gs>
+                </a:gsLst>
+                <a:lin ang="5400000"/>
+              </a:gradFill>
+              <a:effectLst/>
+            </a:endParaRPr>
+          </a:p>
+        </p:txBody>
+      </p:sp>
+    </p:spTree>
+    <p:extLst>
+      <p:ext uri="{BB962C8B-B14F-4D97-AF65-F5344CB8AC3E}">
+        <p14:creationId xmlns:p14="http://schemas.microsoft.com/office/powerpoint/2010/main" val="2579900679"/>
+      </p:ext>
+    </p:extLst>
+  </p:cSld>
+  <p:clrMapOvr>
+    <a:masterClrMapping/>
+  </p:clrMapOvr>
+  <p:timing>
+    <p:tnLst>
+      <p:par>
+        <p:cTn id="1" dur="indefinite" restart="never" nodeType="tmRoot"/>
+      </p:par>
+    </p:tnLst>
+  </p:timing>
+</p:sld>
+</file>
+
 <file path=ppt/slides/slide2.xml><?xml version="1.0" encoding="utf-8"?>
 <p:sld xmlns:a="http://schemas.openxmlformats.org/drawingml/2006/main" xmlns:r="http://schemas.openxmlformats.org/officeDocument/2006/relationships" xmlns:p="http://schemas.openxmlformats.org/presentationml/2006/main">
   <p:cSld>
@@ -5302,8 +6959,12 @@
           <a:lstStyle/>
           <a:p>
             <a:r>
+              <a:rPr lang="en-US" u="sng" dirty="0" smtClean="0"/>
+              <a:t>HTTP Method</a:t>
+            </a:r>
+            <a:r>
               <a:rPr lang="en-US" dirty="0" smtClean="0"/>
-              <a:t>HTTP Method: Specify what kind of method of the endpoint using annotation (</a:t>
+              <a:t>: Specify what kind of method of the endpoint using annotation (</a:t>
             </a:r>
             <a:r>
               <a:rPr lang="en-US" b="1" dirty="0" smtClean="0"/>
@@ -5312,8 +6973,12 @@
           </a:p>
           <a:p>
             <a:r>
+              <a:rPr lang="en-US" u="sng" dirty="0" smtClean="0"/>
+              <a:t>HTTP Resource Location</a:t>
+            </a:r>
+            <a:r>
               <a:rPr lang="en-US" dirty="0" smtClean="0"/>
-              <a:t>HTTP Resource Location: Add the relative endpoint URL as a String parameter to the annotation</a:t>
+              <a:t>: Add the relative endpoint URL as a String parameter to the annotation</a:t>
             </a:r>
             <a:endParaRPr lang="en-US" dirty="0"/>
           </a:p>
@@ -5514,44 +7179,228 @@
           <a:lstStyle/>
           <a:p>
             <a:r>
+              <a:rPr lang="en-US" u="sng" dirty="0" smtClean="0"/>
+              <a:t>Function Name &amp; Return Type</a:t>
+            </a:r>
+            <a:r>
               <a:rPr lang="en-US" dirty="0" smtClean="0"/>
-              <a:t>Function Name &amp; Return Type:</a:t>
+              <a:t>:</a:t>
             </a:r>
           </a:p>
           <a:p>
             <a:pPr lvl="1"/>
             <a:r>
               <a:rPr lang="en-US" dirty="0" smtClean="0"/>
-              <a:t>Method Name: </a:t>
+              <a:t>Method Name: Freely define the method name</a:t>
             </a:r>
           </a:p>
           <a:p>
             <a:pPr lvl="1"/>
             <a:r>
               <a:rPr lang="en-US" dirty="0" smtClean="0"/>
-              <a:t>Method Return Type:</a:t>
+              <a:t>Method Return Type: Define what kind of data return from the server</a:t>
             </a:r>
           </a:p>
           <a:p>
             <a:pPr lvl="1"/>
             <a:r>
-              <a:rPr lang="en-US" smtClean="0"/>
-              <a:t>Method Parameters:</a:t>
-            </a:r>
-            <a:endParaRPr lang="en-US" dirty="0" smtClean="0"/>
-          </a:p>
-        </p:txBody>
-      </p:sp>
-      <p:sp>
-        <p:nvSpPr>
-          <p:cNvPr id="6" name="TextBox 5"/>
+              <a:rPr lang="en-US" dirty="0" smtClean="0"/>
+              <a:t>Method Parameters: </a:t>
+            </a:r>
+            <a:r>
+              <a:rPr lang="en-US" dirty="0"/>
+              <a:t>A</a:t>
+            </a:r>
+            <a:r>
+              <a:rPr lang="en-US" dirty="0" smtClean="0"/>
+              <a:t>dd some parameters to method with annotation</a:t>
+            </a:r>
+          </a:p>
+        </p:txBody>
+      </p:sp>
+      <p:sp>
+        <p:nvSpPr>
+          <p:cNvPr id="3" name="TextBox 2"/>
           <p:cNvSpPr txBox="1"/>
           <p:nvPr/>
         </p:nvSpPr>
         <p:spPr>
           <a:xfrm>
-            <a:off x="1677879" y="3746377"/>
-            <a:ext cx="7359589" cy="1169551"/>
+            <a:off x="1696720" y="3627120"/>
+            <a:ext cx="7995920" cy="1169551"/>
+          </a:xfrm>
+          <a:prstGeom prst="rect">
+            <a:avLst/>
+          </a:prstGeom>
+        </p:spPr>
+        <p:style>
+          <a:lnRef idx="2">
+            <a:schemeClr val="accent1"/>
+          </a:lnRef>
+          <a:fillRef idx="1">
+            <a:schemeClr val="lt1"/>
+          </a:fillRef>
+          <a:effectRef idx="0">
+            <a:schemeClr val="accent1"/>
+          </a:effectRef>
+          <a:fontRef idx="minor">
+            <a:schemeClr val="dk1"/>
+          </a:fontRef>
+        </p:style>
+        <p:txBody>
+          <a:bodyPr wrap="square" rtlCol="0">
+            <a:spAutoFit/>
+          </a:bodyPr>
+          <a:lstStyle/>
+          <a:p>
+            <a:r>
+              <a:rPr lang="en-US" sz="1400" dirty="0" smtClean="0">
+                <a:solidFill>
+                  <a:srgbClr val="0070C0"/>
+                </a:solidFill>
+                <a:latin typeface="Courier New" panose="02070309020205020404" pitchFamily="49" charset="0"/>
+                <a:cs typeface="Courier New" panose="02070309020205020404" pitchFamily="49" charset="0"/>
+              </a:rPr>
+              <a:t>@GET("users/manhterry93/repos")</a:t>
+            </a:r>
+          </a:p>
+          <a:p>
+            <a:r>
+              <a:rPr lang="en-US" sz="1400" dirty="0" smtClean="0">
+                <a:solidFill>
+                  <a:srgbClr val="0070C0"/>
+                </a:solidFill>
+                <a:latin typeface="Courier New" panose="02070309020205020404" pitchFamily="49" charset="0"/>
+                <a:cs typeface="Courier New" panose="02070309020205020404" pitchFamily="49" charset="0"/>
+              </a:rPr>
+              <a:t>Call&lt;List&lt;</a:t>
+            </a:r>
+            <a:r>
+              <a:rPr lang="en-US" sz="1400" dirty="0" err="1" smtClean="0">
+                <a:solidFill>
+                  <a:srgbClr val="0070C0"/>
+                </a:solidFill>
+                <a:latin typeface="Courier New" panose="02070309020205020404" pitchFamily="49" charset="0"/>
+                <a:cs typeface="Courier New" panose="02070309020205020404" pitchFamily="49" charset="0"/>
+              </a:rPr>
+              <a:t>GitHubRepo</a:t>
+            </a:r>
+            <a:r>
+              <a:rPr lang="en-US" sz="1400" dirty="0" smtClean="0">
+                <a:solidFill>
+                  <a:srgbClr val="0070C0"/>
+                </a:solidFill>
+                <a:latin typeface="Courier New" panose="02070309020205020404" pitchFamily="49" charset="0"/>
+                <a:cs typeface="Courier New" panose="02070309020205020404" pitchFamily="49" charset="0"/>
+              </a:rPr>
+              <a:t>&gt;&gt; </a:t>
+            </a:r>
+            <a:r>
+              <a:rPr lang="en-US" sz="1400" dirty="0" err="1" smtClean="0">
+                <a:solidFill>
+                  <a:srgbClr val="0070C0"/>
+                </a:solidFill>
+                <a:latin typeface="Courier New" panose="02070309020205020404" pitchFamily="49" charset="0"/>
+                <a:cs typeface="Courier New" panose="02070309020205020404" pitchFamily="49" charset="0"/>
+              </a:rPr>
+              <a:t>getGitHubRepos</a:t>
+            </a:r>
+            <a:r>
+              <a:rPr lang="en-US" sz="1400" dirty="0" smtClean="0">
+                <a:solidFill>
+                  <a:srgbClr val="0070C0"/>
+                </a:solidFill>
+                <a:latin typeface="Courier New" panose="02070309020205020404" pitchFamily="49" charset="0"/>
+                <a:cs typeface="Courier New" panose="02070309020205020404" pitchFamily="49" charset="0"/>
+              </a:rPr>
+              <a:t>();</a:t>
+            </a:r>
+          </a:p>
+          <a:p>
+            <a:endParaRPr lang="en-US" sz="1400" dirty="0">
+              <a:solidFill>
+                <a:srgbClr val="0070C0"/>
+              </a:solidFill>
+              <a:latin typeface="Courier New" panose="02070309020205020404" pitchFamily="49" charset="0"/>
+              <a:cs typeface="Courier New" panose="02070309020205020404" pitchFamily="49" charset="0"/>
+            </a:endParaRPr>
+          </a:p>
+          <a:p>
+            <a:r>
+              <a:rPr lang="en-US" sz="1400" dirty="0" smtClean="0">
+                <a:solidFill>
+                  <a:srgbClr val="0070C0"/>
+                </a:solidFill>
+                <a:latin typeface="Courier New" panose="02070309020205020404" pitchFamily="49" charset="0"/>
+                <a:cs typeface="Courier New" panose="02070309020205020404" pitchFamily="49" charset="0"/>
+              </a:rPr>
+              <a:t>@GET</a:t>
+            </a:r>
+          </a:p>
+          <a:p>
+            <a:r>
+              <a:rPr lang="en-US" sz="1400" dirty="0" smtClean="0">
+                <a:solidFill>
+                  <a:srgbClr val="0070C0"/>
+                </a:solidFill>
+                <a:latin typeface="Courier New" panose="02070309020205020404" pitchFamily="49" charset="0"/>
+                <a:cs typeface="Courier New" panose="02070309020205020404" pitchFamily="49" charset="0"/>
+              </a:rPr>
+              <a:t>Call&lt;&gt; getGitHubRepos1(@</a:t>
+            </a:r>
+            <a:r>
+              <a:rPr lang="en-US" sz="1400" dirty="0" err="1" smtClean="0">
+                <a:solidFill>
+                  <a:srgbClr val="0070C0"/>
+                </a:solidFill>
+                <a:latin typeface="Courier New" panose="02070309020205020404" pitchFamily="49" charset="0"/>
+                <a:cs typeface="Courier New" panose="02070309020205020404" pitchFamily="49" charset="0"/>
+              </a:rPr>
+              <a:t>Url</a:t>
+            </a:r>
+            <a:r>
+              <a:rPr lang="en-US" sz="1400" dirty="0" smtClean="0">
+                <a:solidFill>
+                  <a:srgbClr val="0070C0"/>
+                </a:solidFill>
+                <a:latin typeface="Courier New" panose="02070309020205020404" pitchFamily="49" charset="0"/>
+                <a:cs typeface="Courier New" panose="02070309020205020404" pitchFamily="49" charset="0"/>
+              </a:rPr>
+              <a:t> String </a:t>
+            </a:r>
+            <a:r>
+              <a:rPr lang="en-US" sz="1400" dirty="0" err="1" smtClean="0">
+                <a:solidFill>
+                  <a:srgbClr val="0070C0"/>
+                </a:solidFill>
+                <a:latin typeface="Courier New" panose="02070309020205020404" pitchFamily="49" charset="0"/>
+                <a:cs typeface="Courier New" panose="02070309020205020404" pitchFamily="49" charset="0"/>
+              </a:rPr>
+              <a:t>url</a:t>
+            </a:r>
+            <a:r>
+              <a:rPr lang="en-US" sz="1400" dirty="0" smtClean="0">
+                <a:solidFill>
+                  <a:srgbClr val="0070C0"/>
+                </a:solidFill>
+                <a:latin typeface="Courier New" panose="02070309020205020404" pitchFamily="49" charset="0"/>
+                <a:cs typeface="Courier New" panose="02070309020205020404" pitchFamily="49" charset="0"/>
+              </a:rPr>
+              <a:t>);</a:t>
+            </a:r>
+          </a:p>
+        </p:txBody>
+      </p:sp>
+      <p:sp>
+        <p:nvSpPr>
+          <p:cNvPr id="7" name="TextBox 6"/>
+          <p:cNvSpPr txBox="1"/>
+          <p:nvPr/>
+        </p:nvSpPr>
+        <p:spPr>
+          <a:xfrm>
+            <a:off x="1511132" y="5317052"/>
+            <a:ext cx="1231427" cy="307777"/>
           </a:xfrm>
           <a:prstGeom prst="rect">
             <a:avLst/>
@@ -5572,99 +7421,1045 @@
           </a:fontRef>
         </p:style>
         <p:txBody>
-          <a:bodyPr wrap="square" rtlCol="0">
+          <a:bodyPr wrap="none" rtlCol="0">
             <a:spAutoFit/>
           </a:bodyPr>
           <a:lstStyle/>
           <a:p>
             <a:r>
-              <a:rPr lang="en-US" sz="1400" dirty="0" smtClean="0">
-                <a:latin typeface="Courier New" panose="02070309020205020404" pitchFamily="49" charset="0"/>
-                <a:cs typeface="Courier New" panose="02070309020205020404" pitchFamily="49" charset="0"/>
-              </a:rPr>
-              <a:t>Relative URL:</a:t>
-            </a:r>
-          </a:p>
-          <a:p>
-            <a:r>
-              <a:rPr lang="en-US" sz="1400" dirty="0">
-                <a:latin typeface="Courier New" panose="02070309020205020404" pitchFamily="49" charset="0"/>
-                <a:cs typeface="Courier New" panose="02070309020205020404" pitchFamily="49" charset="0"/>
-              </a:rPr>
-              <a:t>	</a:t>
-            </a:r>
-            <a:r>
-              <a:rPr lang="en-US" sz="1400" b="1" dirty="0" smtClean="0">
-                <a:latin typeface="Courier New" panose="02070309020205020404" pitchFamily="49" charset="0"/>
-                <a:cs typeface="Courier New" panose="02070309020205020404" pitchFamily="49" charset="0"/>
-              </a:rPr>
-              <a:t>@GET (“/users/manhterry93/repos”)</a:t>
-            </a:r>
-          </a:p>
-          <a:p>
-            <a:endParaRPr lang="en-US" sz="1400" dirty="0">
-              <a:latin typeface="Courier New" panose="02070309020205020404" pitchFamily="49" charset="0"/>
-              <a:cs typeface="Courier New" panose="02070309020205020404" pitchFamily="49" charset="0"/>
-            </a:endParaRPr>
-          </a:p>
-          <a:p>
-            <a:r>
-              <a:rPr lang="en-US" sz="1400" dirty="0" smtClean="0">
-                <a:latin typeface="Courier New" panose="02070309020205020404" pitchFamily="49" charset="0"/>
-                <a:cs typeface="Courier New" panose="02070309020205020404" pitchFamily="49" charset="0"/>
-              </a:rPr>
-              <a:t>Full URL:</a:t>
-            </a:r>
-          </a:p>
-          <a:p>
-            <a:r>
-              <a:rPr lang="en-US" sz="1400" dirty="0" smtClean="0">
-                <a:latin typeface="Courier New" panose="02070309020205020404" pitchFamily="49" charset="0"/>
-                <a:cs typeface="Courier New" panose="02070309020205020404" pitchFamily="49" charset="0"/>
-              </a:rPr>
-              <a:t>	</a:t>
-            </a:r>
-            <a:r>
-              <a:rPr lang="en-US" sz="1400" b="1" dirty="0" smtClean="0">
-                <a:latin typeface="Courier New" panose="02070309020205020404" pitchFamily="49" charset="0"/>
-                <a:cs typeface="Courier New" panose="02070309020205020404" pitchFamily="49" charset="0"/>
-              </a:rPr>
-              <a:t>@GET(</a:t>
-            </a:r>
-            <a:r>
-              <a:rPr lang="en-US" sz="1400" b="1" dirty="0" smtClean="0">
-                <a:latin typeface="Courier New" panose="02070309020205020404" pitchFamily="49" charset="0"/>
-                <a:cs typeface="Courier New" panose="02070309020205020404" pitchFamily="49" charset="0"/>
-                <a:hlinkClick r:id="rId3"/>
-              </a:rPr>
-              <a:t>“</a:t>
-            </a:r>
-            <a:r>
-              <a:rPr lang="en-US" sz="1400" b="1" baseline="0" dirty="0" smtClean="0">
-                <a:latin typeface="Courier New" panose="02070309020205020404" pitchFamily="49" charset="0"/>
-                <a:cs typeface="Courier New" panose="02070309020205020404" pitchFamily="49" charset="0"/>
-                <a:hlinkClick r:id="rId3"/>
-              </a:rPr>
-              <a:t>https://api.github.com/users/manhterry93/repos”</a:t>
-            </a:r>
-            <a:r>
-              <a:rPr lang="en-US" sz="1400" b="1" baseline="0" dirty="0" smtClean="0">
-                <a:latin typeface="Courier New" panose="02070309020205020404" pitchFamily="49" charset="0"/>
-                <a:cs typeface="Courier New" panose="02070309020205020404" pitchFamily="49" charset="0"/>
-              </a:rPr>
-              <a:t>)</a:t>
-            </a:r>
-            <a:endParaRPr lang="en-US" sz="1400" b="1" dirty="0">
-              <a:latin typeface="Courier New" panose="02070309020205020404" pitchFamily="49" charset="0"/>
-              <a:cs typeface="Courier New" panose="02070309020205020404" pitchFamily="49" charset="0"/>
-            </a:endParaRPr>
-          </a:p>
-        </p:txBody>
-      </p:sp>
+              <a:rPr lang="en-US" sz="1400" dirty="0" smtClean="0"/>
+              <a:t>Return Type</a:t>
+            </a:r>
+            <a:endParaRPr lang="en-US" sz="1400" dirty="0"/>
+          </a:p>
+        </p:txBody>
+      </p:sp>
+      <p:sp>
+        <p:nvSpPr>
+          <p:cNvPr id="8" name="TextBox 7"/>
+          <p:cNvSpPr txBox="1"/>
+          <p:nvPr/>
+        </p:nvSpPr>
+        <p:spPr>
+          <a:xfrm>
+            <a:off x="3598842" y="5334515"/>
+            <a:ext cx="1361270" cy="307777"/>
+          </a:xfrm>
+          <a:prstGeom prst="rect">
+            <a:avLst/>
+          </a:prstGeom>
+        </p:spPr>
+        <p:style>
+          <a:lnRef idx="2">
+            <a:schemeClr val="accent2"/>
+          </a:lnRef>
+          <a:fillRef idx="1">
+            <a:schemeClr val="lt1"/>
+          </a:fillRef>
+          <a:effectRef idx="0">
+            <a:schemeClr val="accent2"/>
+          </a:effectRef>
+          <a:fontRef idx="minor">
+            <a:schemeClr val="dk1"/>
+          </a:fontRef>
+        </p:style>
+        <p:txBody>
+          <a:bodyPr wrap="none" rtlCol="0">
+            <a:spAutoFit/>
+          </a:bodyPr>
+          <a:lstStyle/>
+          <a:p>
+            <a:r>
+              <a:rPr lang="en-US" sz="1400" dirty="0" smtClean="0"/>
+              <a:t>Method Name</a:t>
+            </a:r>
+            <a:endParaRPr lang="en-US" sz="1400" dirty="0"/>
+          </a:p>
+        </p:txBody>
+      </p:sp>
+      <p:sp>
+        <p:nvSpPr>
+          <p:cNvPr id="9" name="TextBox 8"/>
+          <p:cNvSpPr txBox="1"/>
+          <p:nvPr/>
+        </p:nvSpPr>
+        <p:spPr>
+          <a:xfrm>
+            <a:off x="5844202" y="5320029"/>
+            <a:ext cx="1838965" cy="307777"/>
+          </a:xfrm>
+          <a:prstGeom prst="rect">
+            <a:avLst/>
+          </a:prstGeom>
+        </p:spPr>
+        <p:style>
+          <a:lnRef idx="2">
+            <a:schemeClr val="accent2"/>
+          </a:lnRef>
+          <a:fillRef idx="1">
+            <a:schemeClr val="lt1"/>
+          </a:fillRef>
+          <a:effectRef idx="0">
+            <a:schemeClr val="accent2"/>
+          </a:effectRef>
+          <a:fontRef idx="minor">
+            <a:schemeClr val="dk1"/>
+          </a:fontRef>
+        </p:style>
+        <p:txBody>
+          <a:bodyPr wrap="none" rtlCol="0">
+            <a:spAutoFit/>
+          </a:bodyPr>
+          <a:lstStyle/>
+          <a:p>
+            <a:r>
+              <a:rPr lang="en-US" sz="1400" dirty="0" smtClean="0"/>
+              <a:t>Method Parameters</a:t>
+            </a:r>
+            <a:endParaRPr lang="en-US" sz="1400" dirty="0"/>
+          </a:p>
+        </p:txBody>
+      </p:sp>
+      <p:cxnSp>
+        <p:nvCxnSpPr>
+          <p:cNvPr id="11" name="Straight Arrow Connector 10"/>
+          <p:cNvCxnSpPr>
+            <a:stCxn id="8" idx="0"/>
+          </p:cNvCxnSpPr>
+          <p:nvPr/>
+        </p:nvCxnSpPr>
+        <p:spPr>
+          <a:xfrm flipH="1" flipV="1">
+            <a:off x="3749040" y="4796671"/>
+            <a:ext cx="530437" cy="537844"/>
+          </a:xfrm>
+          <a:prstGeom prst="straightConnector1">
+            <a:avLst/>
+          </a:prstGeom>
+          <a:ln>
+            <a:tailEnd type="triangle"/>
+          </a:ln>
+        </p:spPr>
+        <p:style>
+          <a:lnRef idx="1">
+            <a:schemeClr val="accent1"/>
+          </a:lnRef>
+          <a:fillRef idx="0">
+            <a:schemeClr val="accent1"/>
+          </a:fillRef>
+          <a:effectRef idx="0">
+            <a:schemeClr val="accent1"/>
+          </a:effectRef>
+          <a:fontRef idx="minor">
+            <a:schemeClr val="tx1"/>
+          </a:fontRef>
+        </p:style>
+      </p:cxnSp>
+      <p:cxnSp>
+        <p:nvCxnSpPr>
+          <p:cNvPr id="13" name="Straight Arrow Connector 12"/>
+          <p:cNvCxnSpPr>
+            <a:stCxn id="9" idx="0"/>
+          </p:cNvCxnSpPr>
+          <p:nvPr/>
+        </p:nvCxnSpPr>
+        <p:spPr>
+          <a:xfrm flipH="1" flipV="1">
+            <a:off x="4960119" y="4714241"/>
+            <a:ext cx="1803566" cy="605788"/>
+          </a:xfrm>
+          <a:prstGeom prst="straightConnector1">
+            <a:avLst/>
+          </a:prstGeom>
+          <a:ln>
+            <a:tailEnd type="triangle"/>
+          </a:ln>
+        </p:spPr>
+        <p:style>
+          <a:lnRef idx="1">
+            <a:schemeClr val="accent1"/>
+          </a:lnRef>
+          <a:fillRef idx="0">
+            <a:schemeClr val="accent1"/>
+          </a:fillRef>
+          <a:effectRef idx="0">
+            <a:schemeClr val="accent1"/>
+          </a:effectRef>
+          <a:fontRef idx="minor">
+            <a:schemeClr val="tx1"/>
+          </a:fontRef>
+        </p:style>
+      </p:cxnSp>
+      <p:cxnSp>
+        <p:nvCxnSpPr>
+          <p:cNvPr id="15" name="Straight Arrow Connector 14"/>
+          <p:cNvCxnSpPr>
+            <a:stCxn id="7" idx="0"/>
+          </p:cNvCxnSpPr>
+          <p:nvPr/>
+        </p:nvCxnSpPr>
+        <p:spPr>
+          <a:xfrm flipV="1">
+            <a:off x="2126846" y="4673600"/>
+            <a:ext cx="45491" cy="643452"/>
+          </a:xfrm>
+          <a:prstGeom prst="straightConnector1">
+            <a:avLst/>
+          </a:prstGeom>
+          <a:ln>
+            <a:tailEnd type="triangle"/>
+          </a:ln>
+        </p:spPr>
+        <p:style>
+          <a:lnRef idx="1">
+            <a:schemeClr val="accent1"/>
+          </a:lnRef>
+          <a:fillRef idx="0">
+            <a:schemeClr val="accent1"/>
+          </a:fillRef>
+          <a:effectRef idx="0">
+            <a:schemeClr val="accent1"/>
+          </a:effectRef>
+          <a:fontRef idx="minor">
+            <a:schemeClr val="tx1"/>
+          </a:fontRef>
+        </p:style>
+      </p:cxnSp>
     </p:spTree>
     <p:extLst>
       <p:ext uri="{BB962C8B-B14F-4D97-AF65-F5344CB8AC3E}">
         <p14:creationId xmlns:p14="http://schemas.microsoft.com/office/powerpoint/2010/main" val="3271087101"/>
+      </p:ext>
+    </p:extLst>
+  </p:cSld>
+  <p:clrMapOvr>
+    <a:masterClrMapping/>
+  </p:clrMapOvr>
+  <p:timing>
+    <p:tnLst>
+      <p:par>
+        <p:cTn id="1" dur="indefinite" restart="never" nodeType="tmRoot"/>
+      </p:par>
+    </p:tnLst>
+  </p:timing>
+</p:sld>
+</file>
+
+<file path=ppt/slides/slide8.xml><?xml version="1.0" encoding="utf-8"?>
+<p:sld xmlns:a="http://schemas.openxmlformats.org/drawingml/2006/main" xmlns:r="http://schemas.openxmlformats.org/officeDocument/2006/relationships" xmlns:p="http://schemas.openxmlformats.org/presentationml/2006/main">
+  <p:cSld>
+    <p:spTree>
+      <p:nvGrpSpPr>
+        <p:cNvPr id="1" name=""/>
+        <p:cNvGrpSpPr/>
+        <p:nvPr/>
+      </p:nvGrpSpPr>
+      <p:grpSpPr>
+        <a:xfrm>
+          <a:off x="0" y="0"/>
+          <a:ext cx="0" cy="0"/>
+          <a:chOff x="0" y="0"/>
+          <a:chExt cx="0" cy="0"/>
+        </a:xfrm>
+      </p:grpSpPr>
+      <p:sp>
+        <p:nvSpPr>
+          <p:cNvPr id="2" name="Title 1"/>
+          <p:cNvSpPr>
+            <a:spLocks noGrp="1"/>
+          </p:cNvSpPr>
+          <p:nvPr>
+            <p:ph type="title"/>
+          </p:nvPr>
+        </p:nvSpPr>
+        <p:spPr/>
+        <p:txBody>
+          <a:bodyPr/>
+          <a:lstStyle/>
+          <a:p>
+            <a:r>
+              <a:rPr lang="en-US" dirty="0" smtClean="0"/>
+              <a:t>Describe API Endpoints</a:t>
+            </a:r>
+            <a:endParaRPr lang="en-US" dirty="0"/>
+          </a:p>
+        </p:txBody>
+      </p:sp>
+      <p:sp>
+        <p:nvSpPr>
+          <p:cNvPr id="5" name="Content Placeholder 4"/>
+          <p:cNvSpPr>
+            <a:spLocks noGrp="1"/>
+          </p:cNvSpPr>
+          <p:nvPr>
+            <p:ph idx="1"/>
+          </p:nvPr>
+        </p:nvSpPr>
+        <p:spPr/>
+        <p:txBody>
+          <a:bodyPr/>
+          <a:lstStyle/>
+          <a:p>
+            <a:r>
+              <a:rPr lang="en-US" u="sng" dirty="0" smtClean="0"/>
+              <a:t>Path Parameters: </a:t>
+            </a:r>
+          </a:p>
+          <a:p>
+            <a:pPr lvl="1"/>
+            <a:r>
+              <a:rPr lang="en-US" dirty="0" smtClean="0"/>
+              <a:t>Use for dynamic URLs</a:t>
+            </a:r>
+          </a:p>
+          <a:p>
+            <a:pPr lvl="1"/>
+            <a:r>
+              <a:rPr lang="en-US" dirty="0" smtClean="0"/>
+              <a:t>Path parameters will be add to annotation URL</a:t>
+            </a:r>
+          </a:p>
+          <a:p>
+            <a:r>
+              <a:rPr lang="en-US" u="sng" dirty="0" smtClean="0"/>
+              <a:t>Query Parameters: </a:t>
+            </a:r>
+          </a:p>
+          <a:p>
+            <a:pPr lvl="1"/>
+            <a:r>
+              <a:rPr lang="en-US" dirty="0" smtClean="0"/>
+              <a:t>Another large part of dynamic URLs are query parameters</a:t>
+            </a:r>
+          </a:p>
+          <a:p>
+            <a:pPr lvl="1"/>
+            <a:r>
+              <a:rPr lang="en-US" dirty="0" smtClean="0"/>
+              <a:t>Don’t add to annotation URL, Retrofit will automatically attach it to the request</a:t>
+            </a:r>
+          </a:p>
+        </p:txBody>
+      </p:sp>
+      <p:sp>
+        <p:nvSpPr>
+          <p:cNvPr id="3" name="TextBox 2"/>
+          <p:cNvSpPr txBox="1"/>
+          <p:nvPr/>
+        </p:nvSpPr>
+        <p:spPr>
+          <a:xfrm>
+            <a:off x="1483360" y="4734560"/>
+            <a:ext cx="7945120" cy="954107"/>
+          </a:xfrm>
+          <a:prstGeom prst="rect">
+            <a:avLst/>
+          </a:prstGeom>
+        </p:spPr>
+        <p:style>
+          <a:lnRef idx="2">
+            <a:schemeClr val="accent1"/>
+          </a:lnRef>
+          <a:fillRef idx="1">
+            <a:schemeClr val="lt1"/>
+          </a:fillRef>
+          <a:effectRef idx="0">
+            <a:schemeClr val="accent1"/>
+          </a:effectRef>
+          <a:fontRef idx="minor">
+            <a:schemeClr val="dk1"/>
+          </a:fontRef>
+        </p:style>
+        <p:txBody>
+          <a:bodyPr wrap="square" rtlCol="0">
+            <a:spAutoFit/>
+          </a:bodyPr>
+          <a:lstStyle/>
+          <a:p>
+            <a:r>
+              <a:rPr lang="en-US" sz="1400" dirty="0" smtClean="0">
+                <a:solidFill>
+                  <a:srgbClr val="0070C0"/>
+                </a:solidFill>
+                <a:latin typeface="Courier New" panose="02070309020205020404" pitchFamily="49" charset="0"/>
+                <a:cs typeface="Courier New" panose="02070309020205020404" pitchFamily="49" charset="0"/>
+              </a:rPr>
+              <a:t>    // Load </a:t>
+            </a:r>
+            <a:r>
+              <a:rPr lang="en-US" sz="1400" dirty="0" err="1" smtClean="0">
+                <a:solidFill>
+                  <a:srgbClr val="0070C0"/>
+                </a:solidFill>
+                <a:latin typeface="Courier New" panose="02070309020205020404" pitchFamily="49" charset="0"/>
+                <a:cs typeface="Courier New" panose="02070309020205020404" pitchFamily="49" charset="0"/>
+              </a:rPr>
+              <a:t>GitHub</a:t>
+            </a:r>
+            <a:r>
+              <a:rPr lang="en-US" sz="1400" dirty="0" smtClean="0">
+                <a:solidFill>
+                  <a:srgbClr val="0070C0"/>
+                </a:solidFill>
+                <a:latin typeface="Courier New" panose="02070309020205020404" pitchFamily="49" charset="0"/>
+                <a:cs typeface="Courier New" panose="02070309020205020404" pitchFamily="49" charset="0"/>
+              </a:rPr>
+              <a:t> Repos</a:t>
+            </a:r>
+          </a:p>
+          <a:p>
+            <a:r>
+              <a:rPr lang="en-US" sz="1400" dirty="0" smtClean="0">
+                <a:solidFill>
+                  <a:srgbClr val="0070C0"/>
+                </a:solidFill>
+                <a:latin typeface="Courier New" panose="02070309020205020404" pitchFamily="49" charset="0"/>
+                <a:cs typeface="Courier New" panose="02070309020205020404" pitchFamily="49" charset="0"/>
+              </a:rPr>
+              <a:t>    @GET("users/{user}/repos")</a:t>
+            </a:r>
+          </a:p>
+          <a:p>
+            <a:r>
+              <a:rPr lang="en-US" sz="1400" dirty="0" smtClean="0">
+                <a:solidFill>
+                  <a:srgbClr val="0070C0"/>
+                </a:solidFill>
+                <a:latin typeface="Courier New" panose="02070309020205020404" pitchFamily="49" charset="0"/>
+                <a:cs typeface="Courier New" panose="02070309020205020404" pitchFamily="49" charset="0"/>
+              </a:rPr>
+              <a:t>    Call&lt;List&lt;</a:t>
+            </a:r>
+            <a:r>
+              <a:rPr lang="en-US" sz="1400" dirty="0" err="1" smtClean="0">
+                <a:solidFill>
+                  <a:srgbClr val="0070C0"/>
+                </a:solidFill>
+                <a:latin typeface="Courier New" panose="02070309020205020404" pitchFamily="49" charset="0"/>
+                <a:cs typeface="Courier New" panose="02070309020205020404" pitchFamily="49" charset="0"/>
+              </a:rPr>
+              <a:t>GithubRepo</a:t>
+            </a:r>
+            <a:r>
+              <a:rPr lang="en-US" sz="1400" dirty="0" smtClean="0">
+                <a:solidFill>
+                  <a:srgbClr val="0070C0"/>
+                </a:solidFill>
+                <a:latin typeface="Courier New" panose="02070309020205020404" pitchFamily="49" charset="0"/>
+                <a:cs typeface="Courier New" panose="02070309020205020404" pitchFamily="49" charset="0"/>
+              </a:rPr>
+              <a:t>&gt;&gt; </a:t>
+            </a:r>
+            <a:r>
+              <a:rPr lang="en-US" sz="1400" dirty="0" err="1" smtClean="0">
+                <a:solidFill>
+                  <a:srgbClr val="0070C0"/>
+                </a:solidFill>
+                <a:latin typeface="Courier New" panose="02070309020205020404" pitchFamily="49" charset="0"/>
+                <a:cs typeface="Courier New" panose="02070309020205020404" pitchFamily="49" charset="0"/>
+              </a:rPr>
+              <a:t>getGitHubRepos</a:t>
+            </a:r>
+            <a:r>
+              <a:rPr lang="en-US" sz="1400" dirty="0" smtClean="0">
+                <a:solidFill>
+                  <a:srgbClr val="0070C0"/>
+                </a:solidFill>
+                <a:latin typeface="Courier New" panose="02070309020205020404" pitchFamily="49" charset="0"/>
+                <a:cs typeface="Courier New" panose="02070309020205020404" pitchFamily="49" charset="0"/>
+              </a:rPr>
+              <a:t>(@Path("user") String user, </a:t>
+            </a:r>
+          </a:p>
+          <a:p>
+            <a:r>
+              <a:rPr lang="en-US" sz="1400" dirty="0">
+                <a:solidFill>
+                  <a:srgbClr val="0070C0"/>
+                </a:solidFill>
+                <a:latin typeface="Courier New" panose="02070309020205020404" pitchFamily="49" charset="0"/>
+                <a:cs typeface="Courier New" panose="02070309020205020404" pitchFamily="49" charset="0"/>
+              </a:rPr>
+              <a:t>	</a:t>
+            </a:r>
+            <a:r>
+              <a:rPr lang="en-US" sz="1400" dirty="0" smtClean="0">
+                <a:solidFill>
+                  <a:srgbClr val="0070C0"/>
+                </a:solidFill>
+                <a:latin typeface="Courier New" panose="02070309020205020404" pitchFamily="49" charset="0"/>
+                <a:cs typeface="Courier New" panose="02070309020205020404" pitchFamily="49" charset="0"/>
+              </a:rPr>
+              <a:t>				@Query(“sort”) String sort);</a:t>
+            </a:r>
+          </a:p>
+        </p:txBody>
+      </p:sp>
+    </p:spTree>
+    <p:extLst>
+      <p:ext uri="{BB962C8B-B14F-4D97-AF65-F5344CB8AC3E}">
+        <p14:creationId xmlns:p14="http://schemas.microsoft.com/office/powerpoint/2010/main" val="2441810351"/>
+      </p:ext>
+    </p:extLst>
+  </p:cSld>
+  <p:clrMapOvr>
+    <a:masterClrMapping/>
+  </p:clrMapOvr>
+  <p:timing>
+    <p:tnLst>
+      <p:par>
+        <p:cTn id="1" dur="indefinite" restart="never" nodeType="tmRoot"/>
+      </p:par>
+    </p:tnLst>
+  </p:timing>
+</p:sld>
+</file>
+
+<file path=ppt/slides/slide9.xml><?xml version="1.0" encoding="utf-8"?>
+<p:sld xmlns:a="http://schemas.openxmlformats.org/drawingml/2006/main" xmlns:r="http://schemas.openxmlformats.org/officeDocument/2006/relationships" xmlns:p="http://schemas.openxmlformats.org/presentationml/2006/main">
+  <p:cSld>
+    <p:spTree>
+      <p:nvGrpSpPr>
+        <p:cNvPr id="1" name=""/>
+        <p:cNvGrpSpPr/>
+        <p:nvPr/>
+      </p:nvGrpSpPr>
+      <p:grpSpPr>
+        <a:xfrm>
+          <a:off x="0" y="0"/>
+          <a:ext cx="0" cy="0"/>
+          <a:chOff x="0" y="0"/>
+          <a:chExt cx="0" cy="0"/>
+        </a:xfrm>
+      </p:grpSpPr>
+      <p:sp>
+        <p:nvSpPr>
+          <p:cNvPr id="2" name="Title 1"/>
+          <p:cNvSpPr>
+            <a:spLocks noGrp="1"/>
+          </p:cNvSpPr>
+          <p:nvPr>
+            <p:ph type="title"/>
+          </p:nvPr>
+        </p:nvSpPr>
+        <p:spPr/>
+        <p:txBody>
+          <a:bodyPr/>
+          <a:lstStyle/>
+          <a:p>
+            <a:r>
+              <a:rPr lang="en-US" dirty="0"/>
+              <a:t>Describe API Endpoints</a:t>
+            </a:r>
+          </a:p>
+        </p:txBody>
+      </p:sp>
+      <p:sp>
+        <p:nvSpPr>
+          <p:cNvPr id="3" name="Content Placeholder 2"/>
+          <p:cNvSpPr>
+            <a:spLocks noGrp="1"/>
+          </p:cNvSpPr>
+          <p:nvPr>
+            <p:ph idx="1"/>
+          </p:nvPr>
+        </p:nvSpPr>
+        <p:spPr/>
+        <p:txBody>
+          <a:bodyPr/>
+          <a:lstStyle/>
+          <a:p>
+            <a:r>
+              <a:rPr lang="en-US" u="sng" dirty="0" err="1" smtClean="0"/>
+              <a:t>GitHub</a:t>
+            </a:r>
+            <a:r>
+              <a:rPr lang="en-US" u="sng" dirty="0" smtClean="0"/>
+              <a:t> Client</a:t>
+            </a:r>
+            <a:r>
+              <a:rPr lang="en-US" dirty="0" smtClean="0"/>
+              <a:t>: Create an interface and define required methods from API Endpoints</a:t>
+            </a:r>
+            <a:endParaRPr lang="en-US" dirty="0"/>
+          </a:p>
+        </p:txBody>
+      </p:sp>
+      <p:sp>
+        <p:nvSpPr>
+          <p:cNvPr id="4" name="TextBox 3"/>
+          <p:cNvSpPr txBox="1"/>
+          <p:nvPr/>
+        </p:nvSpPr>
+        <p:spPr>
+          <a:xfrm>
+            <a:off x="1056640" y="2702560"/>
+            <a:ext cx="4998720" cy="2246769"/>
+          </a:xfrm>
+          <a:prstGeom prst="rect">
+            <a:avLst/>
+          </a:prstGeom>
+        </p:spPr>
+        <p:style>
+          <a:lnRef idx="2">
+            <a:schemeClr val="accent2"/>
+          </a:lnRef>
+          <a:fillRef idx="1">
+            <a:schemeClr val="lt1"/>
+          </a:fillRef>
+          <a:effectRef idx="0">
+            <a:schemeClr val="accent2"/>
+          </a:effectRef>
+          <a:fontRef idx="minor">
+            <a:schemeClr val="dk1"/>
+          </a:fontRef>
+        </p:style>
+        <p:txBody>
+          <a:bodyPr wrap="square" rtlCol="0">
+            <a:spAutoFit/>
+          </a:bodyPr>
+          <a:lstStyle/>
+          <a:p>
+            <a:r>
+              <a:rPr lang="en-US" sz="1400" dirty="0" smtClean="0">
+                <a:solidFill>
+                  <a:srgbClr val="0070C0"/>
+                </a:solidFill>
+                <a:latin typeface="Courier New" panose="02070309020205020404" pitchFamily="49" charset="0"/>
+                <a:cs typeface="Courier New" panose="02070309020205020404" pitchFamily="49" charset="0"/>
+              </a:rPr>
+              <a:t>public interface </a:t>
+            </a:r>
+            <a:r>
+              <a:rPr lang="en-US" sz="1400" dirty="0" err="1" smtClean="0">
+                <a:solidFill>
+                  <a:srgbClr val="0070C0"/>
+                </a:solidFill>
+                <a:latin typeface="Courier New" panose="02070309020205020404" pitchFamily="49" charset="0"/>
+                <a:cs typeface="Courier New" panose="02070309020205020404" pitchFamily="49" charset="0"/>
+              </a:rPr>
+              <a:t>GitHubClient</a:t>
+            </a:r>
+            <a:r>
+              <a:rPr lang="en-US" sz="1400" dirty="0" smtClean="0">
+                <a:solidFill>
+                  <a:srgbClr val="0070C0"/>
+                </a:solidFill>
+                <a:latin typeface="Courier New" panose="02070309020205020404" pitchFamily="49" charset="0"/>
+                <a:cs typeface="Courier New" panose="02070309020205020404" pitchFamily="49" charset="0"/>
+              </a:rPr>
+              <a:t> {</a:t>
+            </a:r>
+          </a:p>
+          <a:p>
+            <a:endParaRPr lang="en-US" sz="1400" dirty="0" smtClean="0">
+              <a:solidFill>
+                <a:srgbClr val="0070C0"/>
+              </a:solidFill>
+              <a:latin typeface="Courier New" panose="02070309020205020404" pitchFamily="49" charset="0"/>
+              <a:cs typeface="Courier New" panose="02070309020205020404" pitchFamily="49" charset="0"/>
+            </a:endParaRPr>
+          </a:p>
+          <a:p>
+            <a:r>
+              <a:rPr lang="en-US" sz="1400" dirty="0" smtClean="0">
+                <a:solidFill>
+                  <a:srgbClr val="0070C0"/>
+                </a:solidFill>
+                <a:latin typeface="Courier New" panose="02070309020205020404" pitchFamily="49" charset="0"/>
+                <a:cs typeface="Courier New" panose="02070309020205020404" pitchFamily="49" charset="0"/>
+              </a:rPr>
+              <a:t>    // Load </a:t>
+            </a:r>
+            <a:r>
+              <a:rPr lang="en-US" sz="1400" dirty="0" err="1" smtClean="0">
+                <a:solidFill>
+                  <a:srgbClr val="0070C0"/>
+                </a:solidFill>
+                <a:latin typeface="Courier New" panose="02070309020205020404" pitchFamily="49" charset="0"/>
+                <a:cs typeface="Courier New" panose="02070309020205020404" pitchFamily="49" charset="0"/>
+              </a:rPr>
+              <a:t>GitHub</a:t>
+            </a:r>
+            <a:r>
+              <a:rPr lang="en-US" sz="1400" dirty="0" smtClean="0">
+                <a:solidFill>
+                  <a:srgbClr val="0070C0"/>
+                </a:solidFill>
+                <a:latin typeface="Courier New" panose="02070309020205020404" pitchFamily="49" charset="0"/>
+                <a:cs typeface="Courier New" panose="02070309020205020404" pitchFamily="49" charset="0"/>
+              </a:rPr>
+              <a:t> Repos</a:t>
+            </a:r>
+          </a:p>
+          <a:p>
+            <a:r>
+              <a:rPr lang="en-US" sz="1400" dirty="0" smtClean="0">
+                <a:solidFill>
+                  <a:srgbClr val="0070C0"/>
+                </a:solidFill>
+                <a:latin typeface="Courier New" panose="02070309020205020404" pitchFamily="49" charset="0"/>
+                <a:cs typeface="Courier New" panose="02070309020205020404" pitchFamily="49" charset="0"/>
+              </a:rPr>
+              <a:t>    @GET("users/{user}/repos")</a:t>
+            </a:r>
+          </a:p>
+          <a:p>
+            <a:r>
+              <a:rPr lang="en-US" sz="1400" dirty="0" smtClean="0">
+                <a:solidFill>
+                  <a:srgbClr val="0070C0"/>
+                </a:solidFill>
+                <a:latin typeface="Courier New" panose="02070309020205020404" pitchFamily="49" charset="0"/>
+                <a:cs typeface="Courier New" panose="02070309020205020404" pitchFamily="49" charset="0"/>
+              </a:rPr>
+              <a:t>    Call&lt;List&lt;</a:t>
+            </a:r>
+            <a:r>
+              <a:rPr lang="en-US" sz="1400" dirty="0" err="1" smtClean="0">
+                <a:solidFill>
+                  <a:srgbClr val="0070C0"/>
+                </a:solidFill>
+                <a:latin typeface="Courier New" panose="02070309020205020404" pitchFamily="49" charset="0"/>
+                <a:cs typeface="Courier New" panose="02070309020205020404" pitchFamily="49" charset="0"/>
+              </a:rPr>
+              <a:t>GithubRepo</a:t>
+            </a:r>
+            <a:r>
+              <a:rPr lang="en-US" sz="1400" dirty="0" smtClean="0">
+                <a:solidFill>
+                  <a:srgbClr val="0070C0"/>
+                </a:solidFill>
+                <a:latin typeface="Courier New" panose="02070309020205020404" pitchFamily="49" charset="0"/>
+                <a:cs typeface="Courier New" panose="02070309020205020404" pitchFamily="49" charset="0"/>
+              </a:rPr>
+              <a:t>&gt;&gt; </a:t>
+            </a:r>
+            <a:r>
+              <a:rPr lang="en-US" sz="1400" dirty="0" err="1" smtClean="0">
+                <a:solidFill>
+                  <a:srgbClr val="0070C0"/>
+                </a:solidFill>
+                <a:latin typeface="Courier New" panose="02070309020205020404" pitchFamily="49" charset="0"/>
+                <a:cs typeface="Courier New" panose="02070309020205020404" pitchFamily="49" charset="0"/>
+              </a:rPr>
+              <a:t>getGitHubRepos</a:t>
+            </a:r>
+            <a:r>
+              <a:rPr lang="en-US" sz="1400" dirty="0" smtClean="0">
+                <a:solidFill>
+                  <a:srgbClr val="0070C0"/>
+                </a:solidFill>
+                <a:latin typeface="Courier New" panose="02070309020205020404" pitchFamily="49" charset="0"/>
+                <a:cs typeface="Courier New" panose="02070309020205020404" pitchFamily="49" charset="0"/>
+              </a:rPr>
+              <a:t>(@Path("user") String user, 					@Query(“sort”) String sort);</a:t>
+            </a:r>
+          </a:p>
+          <a:p>
+            <a:endParaRPr lang="en-US" sz="1400" dirty="0" smtClean="0">
+              <a:solidFill>
+                <a:srgbClr val="0070C0"/>
+              </a:solidFill>
+              <a:latin typeface="Courier New" panose="02070309020205020404" pitchFamily="49" charset="0"/>
+              <a:cs typeface="Courier New" panose="02070309020205020404" pitchFamily="49" charset="0"/>
+            </a:endParaRPr>
+          </a:p>
+          <a:p>
+            <a:r>
+              <a:rPr lang="en-US" sz="1400" dirty="0" smtClean="0">
+                <a:solidFill>
+                  <a:srgbClr val="0070C0"/>
+                </a:solidFill>
+                <a:latin typeface="Courier New" panose="02070309020205020404" pitchFamily="49" charset="0"/>
+                <a:cs typeface="Courier New" panose="02070309020205020404" pitchFamily="49" charset="0"/>
+              </a:rPr>
+              <a:t>}</a:t>
+            </a:r>
+            <a:endParaRPr lang="en-US" sz="1400" dirty="0" smtClean="0">
+              <a:solidFill>
+                <a:srgbClr val="0070C0"/>
+              </a:solidFill>
+              <a:latin typeface="Courier New" panose="02070309020205020404" pitchFamily="49" charset="0"/>
+              <a:cs typeface="Courier New" panose="02070309020205020404" pitchFamily="49" charset="0"/>
+            </a:endParaRPr>
+          </a:p>
+        </p:txBody>
+      </p:sp>
+      <p:sp>
+        <p:nvSpPr>
+          <p:cNvPr id="5" name="TextBox 4"/>
+          <p:cNvSpPr txBox="1"/>
+          <p:nvPr/>
+        </p:nvSpPr>
+        <p:spPr>
+          <a:xfrm>
+            <a:off x="6197600" y="2702560"/>
+            <a:ext cx="4265911" cy="2893100"/>
+          </a:xfrm>
+          <a:prstGeom prst="rect">
+            <a:avLst/>
+          </a:prstGeom>
+        </p:spPr>
+        <p:style>
+          <a:lnRef idx="2">
+            <a:schemeClr val="accent2"/>
+          </a:lnRef>
+          <a:fillRef idx="1">
+            <a:schemeClr val="lt1"/>
+          </a:fillRef>
+          <a:effectRef idx="0">
+            <a:schemeClr val="accent2"/>
+          </a:effectRef>
+          <a:fontRef idx="minor">
+            <a:schemeClr val="dk1"/>
+          </a:fontRef>
+        </p:style>
+        <p:txBody>
+          <a:bodyPr wrap="none" rtlCol="0">
+            <a:spAutoFit/>
+          </a:bodyPr>
+          <a:lstStyle/>
+          <a:p>
+            <a:r>
+              <a:rPr lang="en-US" sz="1400" dirty="0" smtClean="0">
+                <a:solidFill>
+                  <a:srgbClr val="0070C0"/>
+                </a:solidFill>
+                <a:latin typeface="Courier New" panose="02070309020205020404" pitchFamily="49" charset="0"/>
+                <a:cs typeface="Courier New" panose="02070309020205020404" pitchFamily="49" charset="0"/>
+              </a:rPr>
+              <a:t>public class </a:t>
+            </a:r>
+            <a:r>
+              <a:rPr lang="en-US" sz="1400" dirty="0" err="1" smtClean="0">
+                <a:solidFill>
+                  <a:srgbClr val="0070C0"/>
+                </a:solidFill>
+                <a:latin typeface="Courier New" panose="02070309020205020404" pitchFamily="49" charset="0"/>
+                <a:cs typeface="Courier New" panose="02070309020205020404" pitchFamily="49" charset="0"/>
+              </a:rPr>
+              <a:t>GithubRepo</a:t>
+            </a:r>
+            <a:r>
+              <a:rPr lang="en-US" sz="1400" dirty="0" smtClean="0">
+                <a:solidFill>
+                  <a:srgbClr val="0070C0"/>
+                </a:solidFill>
+                <a:latin typeface="Courier New" panose="02070309020205020404" pitchFamily="49" charset="0"/>
+                <a:cs typeface="Courier New" panose="02070309020205020404" pitchFamily="49" charset="0"/>
+              </a:rPr>
+              <a:t> {</a:t>
+            </a:r>
+          </a:p>
+          <a:p>
+            <a:r>
+              <a:rPr lang="en-US" sz="1400" dirty="0" smtClean="0">
+                <a:solidFill>
+                  <a:srgbClr val="0070C0"/>
+                </a:solidFill>
+                <a:latin typeface="Courier New" panose="02070309020205020404" pitchFamily="49" charset="0"/>
+                <a:cs typeface="Courier New" panose="02070309020205020404" pitchFamily="49" charset="0"/>
+              </a:rPr>
+              <a:t>    String name;</a:t>
+            </a:r>
+          </a:p>
+          <a:p>
+            <a:r>
+              <a:rPr lang="en-US" sz="1400" dirty="0" smtClean="0">
+                <a:solidFill>
+                  <a:srgbClr val="0070C0"/>
+                </a:solidFill>
+                <a:latin typeface="Courier New" panose="02070309020205020404" pitchFamily="49" charset="0"/>
+                <a:cs typeface="Courier New" panose="02070309020205020404" pitchFamily="49" charset="0"/>
+              </a:rPr>
+              <a:t>    String </a:t>
+            </a:r>
+            <a:r>
+              <a:rPr lang="en-US" sz="1400" dirty="0" err="1" smtClean="0">
+                <a:solidFill>
+                  <a:srgbClr val="0070C0"/>
+                </a:solidFill>
+                <a:latin typeface="Courier New" panose="02070309020205020404" pitchFamily="49" charset="0"/>
+                <a:cs typeface="Courier New" panose="02070309020205020404" pitchFamily="49" charset="0"/>
+              </a:rPr>
+              <a:t>url</a:t>
+            </a:r>
+            <a:r>
+              <a:rPr lang="en-US" sz="1400" dirty="0" smtClean="0">
+                <a:solidFill>
+                  <a:srgbClr val="0070C0"/>
+                </a:solidFill>
+                <a:latin typeface="Courier New" panose="02070309020205020404" pitchFamily="49" charset="0"/>
+                <a:cs typeface="Courier New" panose="02070309020205020404" pitchFamily="49" charset="0"/>
+              </a:rPr>
+              <a:t>;</a:t>
+            </a:r>
+          </a:p>
+          <a:p>
+            <a:endParaRPr lang="en-US" sz="1400" dirty="0" smtClean="0">
+              <a:solidFill>
+                <a:srgbClr val="0070C0"/>
+              </a:solidFill>
+              <a:latin typeface="Courier New" panose="02070309020205020404" pitchFamily="49" charset="0"/>
+              <a:cs typeface="Courier New" panose="02070309020205020404" pitchFamily="49" charset="0"/>
+            </a:endParaRPr>
+          </a:p>
+          <a:p>
+            <a:r>
+              <a:rPr lang="en-US" sz="1400" dirty="0" smtClean="0">
+                <a:solidFill>
+                  <a:srgbClr val="0070C0"/>
+                </a:solidFill>
+                <a:latin typeface="Courier New" panose="02070309020205020404" pitchFamily="49" charset="0"/>
+                <a:cs typeface="Courier New" panose="02070309020205020404" pitchFamily="49" charset="0"/>
+              </a:rPr>
+              <a:t>    public String </a:t>
+            </a:r>
+            <a:r>
+              <a:rPr lang="en-US" sz="1400" dirty="0" err="1" smtClean="0">
+                <a:solidFill>
+                  <a:srgbClr val="0070C0"/>
+                </a:solidFill>
+                <a:latin typeface="Courier New" panose="02070309020205020404" pitchFamily="49" charset="0"/>
+                <a:cs typeface="Courier New" panose="02070309020205020404" pitchFamily="49" charset="0"/>
+              </a:rPr>
+              <a:t>getName</a:t>
+            </a:r>
+            <a:r>
+              <a:rPr lang="en-US" sz="1400" dirty="0" smtClean="0">
+                <a:solidFill>
+                  <a:srgbClr val="0070C0"/>
+                </a:solidFill>
+                <a:latin typeface="Courier New" panose="02070309020205020404" pitchFamily="49" charset="0"/>
+                <a:cs typeface="Courier New" panose="02070309020205020404" pitchFamily="49" charset="0"/>
+              </a:rPr>
+              <a:t>() {</a:t>
+            </a:r>
+          </a:p>
+          <a:p>
+            <a:r>
+              <a:rPr lang="en-US" sz="1400" dirty="0" smtClean="0">
+                <a:solidFill>
+                  <a:srgbClr val="0070C0"/>
+                </a:solidFill>
+                <a:latin typeface="Courier New" panose="02070309020205020404" pitchFamily="49" charset="0"/>
+                <a:cs typeface="Courier New" panose="02070309020205020404" pitchFamily="49" charset="0"/>
+              </a:rPr>
+              <a:t>        return name;</a:t>
+            </a:r>
+          </a:p>
+          <a:p>
+            <a:r>
+              <a:rPr lang="en-US" sz="1400" dirty="0" smtClean="0">
+                <a:solidFill>
+                  <a:srgbClr val="0070C0"/>
+                </a:solidFill>
+                <a:latin typeface="Courier New" panose="02070309020205020404" pitchFamily="49" charset="0"/>
+                <a:cs typeface="Courier New" panose="02070309020205020404" pitchFamily="49" charset="0"/>
+              </a:rPr>
+              <a:t>    }</a:t>
+            </a:r>
+          </a:p>
+          <a:p>
+            <a:endParaRPr lang="en-US" sz="1400" dirty="0" smtClean="0">
+              <a:solidFill>
+                <a:srgbClr val="0070C0"/>
+              </a:solidFill>
+              <a:latin typeface="Courier New" panose="02070309020205020404" pitchFamily="49" charset="0"/>
+              <a:cs typeface="Courier New" panose="02070309020205020404" pitchFamily="49" charset="0"/>
+            </a:endParaRPr>
+          </a:p>
+          <a:p>
+            <a:r>
+              <a:rPr lang="en-US" sz="1400" dirty="0" smtClean="0">
+                <a:solidFill>
+                  <a:srgbClr val="0070C0"/>
+                </a:solidFill>
+                <a:latin typeface="Courier New" panose="02070309020205020404" pitchFamily="49" charset="0"/>
+                <a:cs typeface="Courier New" panose="02070309020205020404" pitchFamily="49" charset="0"/>
+              </a:rPr>
+              <a:t>    public void </a:t>
+            </a:r>
+            <a:r>
+              <a:rPr lang="en-US" sz="1400" dirty="0" err="1" smtClean="0">
+                <a:solidFill>
+                  <a:srgbClr val="0070C0"/>
+                </a:solidFill>
+                <a:latin typeface="Courier New" panose="02070309020205020404" pitchFamily="49" charset="0"/>
+                <a:cs typeface="Courier New" panose="02070309020205020404" pitchFamily="49" charset="0"/>
+              </a:rPr>
+              <a:t>setName</a:t>
+            </a:r>
+            <a:r>
+              <a:rPr lang="en-US" sz="1400" dirty="0" smtClean="0">
+                <a:solidFill>
+                  <a:srgbClr val="0070C0"/>
+                </a:solidFill>
+                <a:latin typeface="Courier New" panose="02070309020205020404" pitchFamily="49" charset="0"/>
+                <a:cs typeface="Courier New" panose="02070309020205020404" pitchFamily="49" charset="0"/>
+              </a:rPr>
+              <a:t>(String name) {</a:t>
+            </a:r>
+          </a:p>
+          <a:p>
+            <a:r>
+              <a:rPr lang="en-US" sz="1400" dirty="0" smtClean="0">
+                <a:solidFill>
+                  <a:srgbClr val="0070C0"/>
+                </a:solidFill>
+                <a:latin typeface="Courier New" panose="02070309020205020404" pitchFamily="49" charset="0"/>
+                <a:cs typeface="Courier New" panose="02070309020205020404" pitchFamily="49" charset="0"/>
+              </a:rPr>
+              <a:t>        this.name = name;</a:t>
+            </a:r>
+          </a:p>
+          <a:p>
+            <a:r>
+              <a:rPr lang="en-US" sz="1400" dirty="0" smtClean="0">
+                <a:solidFill>
+                  <a:srgbClr val="0070C0"/>
+                </a:solidFill>
+                <a:latin typeface="Courier New" panose="02070309020205020404" pitchFamily="49" charset="0"/>
+                <a:cs typeface="Courier New" panose="02070309020205020404" pitchFamily="49" charset="0"/>
+              </a:rPr>
+              <a:t>    }</a:t>
+            </a:r>
+          </a:p>
+          <a:p>
+            <a:endParaRPr lang="en-US" sz="1400" dirty="0" smtClean="0">
+              <a:solidFill>
+                <a:srgbClr val="0070C0"/>
+              </a:solidFill>
+              <a:latin typeface="Courier New" panose="02070309020205020404" pitchFamily="49" charset="0"/>
+              <a:cs typeface="Courier New" panose="02070309020205020404" pitchFamily="49" charset="0"/>
+            </a:endParaRPr>
+          </a:p>
+          <a:p>
+            <a:r>
+              <a:rPr lang="en-US" sz="1400" dirty="0" smtClean="0">
+                <a:solidFill>
+                  <a:srgbClr val="0070C0"/>
+                </a:solidFill>
+                <a:latin typeface="Courier New" panose="02070309020205020404" pitchFamily="49" charset="0"/>
+                <a:cs typeface="Courier New" panose="02070309020205020404" pitchFamily="49" charset="0"/>
+              </a:rPr>
+              <a:t>}</a:t>
+            </a:r>
+            <a:endParaRPr lang="en-US" sz="1400" dirty="0">
+              <a:solidFill>
+                <a:srgbClr val="0070C0"/>
+              </a:solidFill>
+              <a:latin typeface="Courier New" panose="02070309020205020404" pitchFamily="49" charset="0"/>
+              <a:cs typeface="Courier New" panose="02070309020205020404" pitchFamily="49" charset="0"/>
+            </a:endParaRPr>
+          </a:p>
+        </p:txBody>
+      </p:sp>
+    </p:spTree>
+    <p:extLst>
+      <p:ext uri="{BB962C8B-B14F-4D97-AF65-F5344CB8AC3E}">
+        <p14:creationId xmlns:p14="http://schemas.microsoft.com/office/powerpoint/2010/main" val="623804635"/>
       </p:ext>
     </p:extLst>
   </p:cSld>
